--- a/class_5_2/class_5_2.pptx
+++ b/class_5_2/class_5_2.pptx
@@ -5,10 +5,23 @@
     <p:sldMasterId id="2147483648" r:id="rId1"/>
   </p:sldMasterIdLst>
   <p:notesMasterIdLst>
-    <p:notesMasterId r:id="rId3"/>
+    <p:notesMasterId r:id="rId16"/>
   </p:notesMasterIdLst>
   <p:sldIdLst>
-    <p:sldId id="256" r:id="rId2"/>
+    <p:sldId id="319" r:id="rId2"/>
+    <p:sldId id="256" r:id="rId3"/>
+    <p:sldId id="320" r:id="rId4"/>
+    <p:sldId id="330" r:id="rId5"/>
+    <p:sldId id="329" r:id="rId6"/>
+    <p:sldId id="326" r:id="rId7"/>
+    <p:sldId id="327" r:id="rId8"/>
+    <p:sldId id="328" r:id="rId9"/>
+    <p:sldId id="331" r:id="rId10"/>
+    <p:sldId id="323" r:id="rId11"/>
+    <p:sldId id="332" r:id="rId12"/>
+    <p:sldId id="333" r:id="rId13"/>
+    <p:sldId id="325" r:id="rId14"/>
+    <p:sldId id="293" r:id="rId15"/>
   </p:sldIdLst>
   <p:sldSz cx="12192000" cy="6858000"/>
   <p:notesSz cx="6858000" cy="9144000"/>
@@ -197,7 +210,7 @@
           <a:p>
             <a:fld id="{8E5940E0-E864-DF4A-BD26-2C2246AC4E05}" type="datetimeFigureOut">
               <a:rPr lang="en-US" smtClean="0"/>
-              <a:t>6/3/20</a:t>
+              <a:t>6/29/20</a:t>
             </a:fld>
             <a:endParaRPr lang="en-US"/>
           </a:p>
@@ -529,7 +542,7 @@
           <a:p>
             <a:fld id="{F91D480C-B22B-9744-AC27-082F71E496D4}" type="slidenum">
               <a:rPr lang="en-US" smtClean="0"/>
-              <a:t>1</a:t>
+              <a:t>2</a:t>
             </a:fld>
             <a:endParaRPr lang="en-US"/>
           </a:p>
@@ -695,7 +708,7 @@
           <a:p>
             <a:fld id="{B4805629-43F6-3C4F-A3A1-18FEAB524198}" type="datetimeFigureOut">
               <a:rPr lang="en-US" smtClean="0"/>
-              <a:t>6/3/20</a:t>
+              <a:t>6/29/20</a:t>
             </a:fld>
             <a:endParaRPr lang="en-US"/>
           </a:p>
@@ -893,7 +906,7 @@
           <a:p>
             <a:fld id="{B4805629-43F6-3C4F-A3A1-18FEAB524198}" type="datetimeFigureOut">
               <a:rPr lang="en-US" smtClean="0"/>
-              <a:t>6/3/20</a:t>
+              <a:t>6/29/20</a:t>
             </a:fld>
             <a:endParaRPr lang="en-US"/>
           </a:p>
@@ -1101,7 +1114,7 @@
           <a:p>
             <a:fld id="{B4805629-43F6-3C4F-A3A1-18FEAB524198}" type="datetimeFigureOut">
               <a:rPr lang="en-US" smtClean="0"/>
-              <a:t>6/3/20</a:t>
+              <a:t>6/29/20</a:t>
             </a:fld>
             <a:endParaRPr lang="en-US"/>
           </a:p>
@@ -1299,7 +1312,7 @@
           <a:p>
             <a:fld id="{B4805629-43F6-3C4F-A3A1-18FEAB524198}" type="datetimeFigureOut">
               <a:rPr lang="en-US" smtClean="0"/>
-              <a:t>6/3/20</a:t>
+              <a:t>6/29/20</a:t>
             </a:fld>
             <a:endParaRPr lang="en-US"/>
           </a:p>
@@ -1574,7 +1587,7 @@
           <a:p>
             <a:fld id="{B4805629-43F6-3C4F-A3A1-18FEAB524198}" type="datetimeFigureOut">
               <a:rPr lang="en-US" smtClean="0"/>
-              <a:t>6/3/20</a:t>
+              <a:t>6/29/20</a:t>
             </a:fld>
             <a:endParaRPr lang="en-US"/>
           </a:p>
@@ -1839,7 +1852,7 @@
           <a:p>
             <a:fld id="{B4805629-43F6-3C4F-A3A1-18FEAB524198}" type="datetimeFigureOut">
               <a:rPr lang="en-US" smtClean="0"/>
-              <a:t>6/3/20</a:t>
+              <a:t>6/29/20</a:t>
             </a:fld>
             <a:endParaRPr lang="en-US"/>
           </a:p>
@@ -2251,7 +2264,7 @@
           <a:p>
             <a:fld id="{B4805629-43F6-3C4F-A3A1-18FEAB524198}" type="datetimeFigureOut">
               <a:rPr lang="en-US" smtClean="0"/>
-              <a:t>6/3/20</a:t>
+              <a:t>6/29/20</a:t>
             </a:fld>
             <a:endParaRPr lang="en-US"/>
           </a:p>
@@ -2392,7 +2405,7 @@
           <a:p>
             <a:fld id="{B4805629-43F6-3C4F-A3A1-18FEAB524198}" type="datetimeFigureOut">
               <a:rPr lang="en-US" smtClean="0"/>
-              <a:t>6/3/20</a:t>
+              <a:t>6/29/20</a:t>
             </a:fld>
             <a:endParaRPr lang="en-US"/>
           </a:p>
@@ -2505,7 +2518,7 @@
           <a:p>
             <a:fld id="{B4805629-43F6-3C4F-A3A1-18FEAB524198}" type="datetimeFigureOut">
               <a:rPr lang="en-US" smtClean="0"/>
-              <a:t>6/3/20</a:t>
+              <a:t>6/29/20</a:t>
             </a:fld>
             <a:endParaRPr lang="en-US"/>
           </a:p>
@@ -2816,7 +2829,7 @@
           <a:p>
             <a:fld id="{B4805629-43F6-3C4F-A3A1-18FEAB524198}" type="datetimeFigureOut">
               <a:rPr lang="en-US" smtClean="0"/>
-              <a:t>6/3/20</a:t>
+              <a:t>6/29/20</a:t>
             </a:fld>
             <a:endParaRPr lang="en-US"/>
           </a:p>
@@ -3104,7 +3117,7 @@
           <a:p>
             <a:fld id="{B4805629-43F6-3C4F-A3A1-18FEAB524198}" type="datetimeFigureOut">
               <a:rPr lang="en-US" smtClean="0"/>
-              <a:t>6/3/20</a:t>
+              <a:t>6/29/20</a:t>
             </a:fld>
             <a:endParaRPr lang="en-US"/>
           </a:p>
@@ -3345,7 +3358,7 @@
           <a:p>
             <a:fld id="{B4805629-43F6-3C4F-A3A1-18FEAB524198}" type="datetimeFigureOut">
               <a:rPr lang="en-US" smtClean="0"/>
-              <a:t>6/3/20</a:t>
+              <a:t>6/29/20</a:t>
             </a:fld>
             <a:endParaRPr lang="en-US"/>
           </a:p>
@@ -3767,6 +3780,1352 @@
           <p:cNvPr id="2" name="Title 1">
             <a:extLst>
               <a:ext uri="{FF2B5EF4-FFF2-40B4-BE49-F238E27FC236}">
+                <a16:creationId xmlns:a16="http://schemas.microsoft.com/office/drawing/2014/main" id="{CBCC2D99-A2BA-C743-9C28-3F8F66D71203}"/>
+              </a:ext>
+            </a:extLst>
+          </p:cNvPr>
+          <p:cNvSpPr>
+            <a:spLocks noGrp="1"/>
+          </p:cNvSpPr>
+          <p:nvPr>
+            <p:ph type="title"/>
+          </p:nvPr>
+        </p:nvSpPr>
+        <p:spPr>
+          <a:xfrm>
+            <a:off x="2383221" y="2103437"/>
+            <a:ext cx="10515600" cy="1325563"/>
+          </a:xfrm>
+        </p:spPr>
+        <p:txBody>
+          <a:bodyPr/>
+          <a:lstStyle/>
+          <a:p>
+            <a:r>
+              <a:rPr lang="en-US" dirty="0"/>
+              <a:t>Access the slides and files here: </a:t>
+            </a:r>
+            <a:br>
+              <a:rPr lang="en-US" dirty="0"/>
+            </a:br>
+            <a:r>
+              <a:rPr lang="en-US" dirty="0"/>
+              <a:t>	</a:t>
+            </a:r>
+          </a:p>
+        </p:txBody>
+      </p:sp>
+      <p:sp>
+        <p:nvSpPr>
+          <p:cNvPr id="4" name="Rectangle 3">
+            <a:extLst>
+              <a:ext uri="{FF2B5EF4-FFF2-40B4-BE49-F238E27FC236}">
+                <a16:creationId xmlns:a16="http://schemas.microsoft.com/office/drawing/2014/main" id="{6B53121B-F976-974C-8963-03F6AF4F9F81}"/>
+              </a:ext>
+            </a:extLst>
+          </p:cNvPr>
+          <p:cNvSpPr/>
+          <p:nvPr/>
+        </p:nvSpPr>
+        <p:spPr>
+          <a:xfrm>
+            <a:off x="1316390" y="3038855"/>
+            <a:ext cx="8961749" cy="584775"/>
+          </a:xfrm>
+          <a:prstGeom prst="rect">
+            <a:avLst/>
+          </a:prstGeom>
+        </p:spPr>
+        <p:txBody>
+          <a:bodyPr wrap="none">
+            <a:spAutoFit/>
+          </a:bodyPr>
+          <a:lstStyle/>
+          <a:p>
+            <a:r>
+              <a:rPr lang="en-US" sz="3200" dirty="0">
+                <a:hlinkClick r:id="rId2"/>
+              </a:rPr>
+              <a:t>https://github.com/j-berg/bioinformatics_bootcamp</a:t>
+            </a:r>
+            <a:endParaRPr lang="en-US" sz="3200" dirty="0"/>
+          </a:p>
+        </p:txBody>
+      </p:sp>
+    </p:spTree>
+    <p:extLst>
+      <p:ext uri="{BB962C8B-B14F-4D97-AF65-F5344CB8AC3E}">
+        <p14:creationId xmlns:p14="http://schemas.microsoft.com/office/powerpoint/2010/main" val="4069885860"/>
+      </p:ext>
+    </p:extLst>
+  </p:cSld>
+  <p:clrMapOvr>
+    <a:masterClrMapping/>
+  </p:clrMapOvr>
+</p:sld>
+</file>
+
+<file path=ppt/slides/slide10.xml><?xml version="1.0" encoding="utf-8"?>
+<p:sld xmlns:a="http://schemas.openxmlformats.org/drawingml/2006/main" xmlns:r="http://schemas.openxmlformats.org/officeDocument/2006/relationships" xmlns:p="http://schemas.openxmlformats.org/presentationml/2006/main">
+  <p:cSld>
+    <p:spTree>
+      <p:nvGrpSpPr>
+        <p:cNvPr id="1" name=""/>
+        <p:cNvGrpSpPr/>
+        <p:nvPr/>
+      </p:nvGrpSpPr>
+      <p:grpSpPr>
+        <a:xfrm>
+          <a:off x="0" y="0"/>
+          <a:ext cx="0" cy="0"/>
+          <a:chOff x="0" y="0"/>
+          <a:chExt cx="0" cy="0"/>
+        </a:xfrm>
+      </p:grpSpPr>
+      <p:pic>
+        <p:nvPicPr>
+          <p:cNvPr id="10" name="Content Placeholder 9">
+            <a:extLst>
+              <a:ext uri="{FF2B5EF4-FFF2-40B4-BE49-F238E27FC236}">
+                <a16:creationId xmlns:a16="http://schemas.microsoft.com/office/drawing/2014/main" id="{1AB59D7B-11F1-FB4E-9BEB-A5E41FEC5672}"/>
+              </a:ext>
+            </a:extLst>
+          </p:cNvPr>
+          <p:cNvPicPr>
+            <a:picLocks noGrp="1" noChangeAspect="1"/>
+          </p:cNvPicPr>
+          <p:nvPr>
+            <p:ph idx="1"/>
+          </p:nvPr>
+        </p:nvPicPr>
+        <p:blipFill>
+          <a:blip r:embed="rId2"/>
+          <a:stretch>
+            <a:fillRect/>
+          </a:stretch>
+        </p:blipFill>
+        <p:spPr>
+          <a:xfrm>
+            <a:off x="6743887" y="2506662"/>
+            <a:ext cx="5448113" cy="4351338"/>
+          </a:xfrm>
+        </p:spPr>
+      </p:pic>
+      <p:sp>
+        <p:nvSpPr>
+          <p:cNvPr id="2" name="Title 1">
+            <a:extLst>
+              <a:ext uri="{FF2B5EF4-FFF2-40B4-BE49-F238E27FC236}">
+                <a16:creationId xmlns:a16="http://schemas.microsoft.com/office/drawing/2014/main" id="{08B0767E-BDE3-5349-AE30-766C6FBCC420}"/>
+              </a:ext>
+            </a:extLst>
+          </p:cNvPr>
+          <p:cNvSpPr>
+            <a:spLocks noGrp="1"/>
+          </p:cNvSpPr>
+          <p:nvPr>
+            <p:ph type="title"/>
+          </p:nvPr>
+        </p:nvSpPr>
+        <p:spPr/>
+        <p:txBody>
+          <a:bodyPr/>
+          <a:lstStyle/>
+          <a:p>
+            <a:r>
+              <a:rPr lang="en-US" dirty="0"/>
+              <a:t>Biases in sequence libraries</a:t>
+            </a:r>
+          </a:p>
+        </p:txBody>
+      </p:sp>
+      <p:sp>
+        <p:nvSpPr>
+          <p:cNvPr id="6" name="TextBox 5">
+            <a:extLst>
+              <a:ext uri="{FF2B5EF4-FFF2-40B4-BE49-F238E27FC236}">
+                <a16:creationId xmlns:a16="http://schemas.microsoft.com/office/drawing/2014/main" id="{F051B043-34EE-3E47-8C2A-1FAA1E827D8B}"/>
+              </a:ext>
+            </a:extLst>
+          </p:cNvPr>
+          <p:cNvSpPr txBox="1"/>
+          <p:nvPr/>
+        </p:nvSpPr>
+        <p:spPr>
+          <a:xfrm>
+            <a:off x="838200" y="1914009"/>
+            <a:ext cx="7932621" cy="1477328"/>
+          </a:xfrm>
+          <a:prstGeom prst="rect">
+            <a:avLst/>
+          </a:prstGeom>
+          <a:noFill/>
+        </p:spPr>
+        <p:txBody>
+          <a:bodyPr wrap="none" rtlCol="0">
+            <a:spAutoFit/>
+          </a:bodyPr>
+          <a:lstStyle/>
+          <a:p>
+            <a:pPr marL="285750" indent="-285750">
+              <a:buFont typeface="Arial" panose="020B0604020202020204" pitchFamily="34" charset="0"/>
+              <a:buChar char="•"/>
+            </a:pPr>
+            <a:r>
+              <a:rPr lang="en-US" dirty="0"/>
+              <a:t>Gene counts for a given RNA-seq sample follow a negative binomial distribution</a:t>
+            </a:r>
+          </a:p>
+          <a:p>
+            <a:pPr marL="285750" indent="-285750">
+              <a:buFont typeface="Arial" panose="020B0604020202020204" pitchFamily="34" charset="0"/>
+              <a:buChar char="•"/>
+            </a:pPr>
+            <a:r>
+              <a:rPr lang="en-US" dirty="0"/>
+              <a:t>Need to run appropriate statistical tests</a:t>
+            </a:r>
+          </a:p>
+          <a:p>
+            <a:pPr marL="285750" indent="-285750">
+              <a:buFont typeface="Arial" panose="020B0604020202020204" pitchFamily="34" charset="0"/>
+              <a:buChar char="•"/>
+            </a:pPr>
+            <a:r>
+              <a:rPr lang="en-US" dirty="0"/>
+              <a:t>!!! Do not use a T-test, this assumes data is </a:t>
+            </a:r>
+          </a:p>
+          <a:p>
+            <a:r>
+              <a:rPr lang="en-US" dirty="0"/>
+              <a:t>           normally distributed which it is not!</a:t>
+            </a:r>
+          </a:p>
+          <a:p>
+            <a:pPr marL="285750" indent="-285750">
+              <a:buFont typeface="Arial" panose="020B0604020202020204" pitchFamily="34" charset="0"/>
+              <a:buChar char="•"/>
+            </a:pPr>
+            <a:r>
+              <a:rPr lang="en-US" dirty="0"/>
+              <a:t>DESeq2 properly accounts for this</a:t>
+            </a:r>
+          </a:p>
+        </p:txBody>
+      </p:sp>
+    </p:spTree>
+    <p:extLst>
+      <p:ext uri="{BB962C8B-B14F-4D97-AF65-F5344CB8AC3E}">
+        <p14:creationId xmlns:p14="http://schemas.microsoft.com/office/powerpoint/2010/main" val="2196849343"/>
+      </p:ext>
+    </p:extLst>
+  </p:cSld>
+  <p:clrMapOvr>
+    <a:masterClrMapping/>
+  </p:clrMapOvr>
+</p:sld>
+</file>
+
+<file path=ppt/slides/slide11.xml><?xml version="1.0" encoding="utf-8"?>
+<p:sld xmlns:a="http://schemas.openxmlformats.org/drawingml/2006/main" xmlns:r="http://schemas.openxmlformats.org/officeDocument/2006/relationships" xmlns:p="http://schemas.openxmlformats.org/presentationml/2006/main">
+  <p:cSld>
+    <p:spTree>
+      <p:nvGrpSpPr>
+        <p:cNvPr id="1" name=""/>
+        <p:cNvGrpSpPr/>
+        <p:nvPr/>
+      </p:nvGrpSpPr>
+      <p:grpSpPr>
+        <a:xfrm>
+          <a:off x="0" y="0"/>
+          <a:ext cx="0" cy="0"/>
+          <a:chOff x="0" y="0"/>
+          <a:chExt cx="0" cy="0"/>
+        </a:xfrm>
+      </p:grpSpPr>
+      <p:sp>
+        <p:nvSpPr>
+          <p:cNvPr id="2" name="Title 1">
+            <a:extLst>
+              <a:ext uri="{FF2B5EF4-FFF2-40B4-BE49-F238E27FC236}">
+                <a16:creationId xmlns:a16="http://schemas.microsoft.com/office/drawing/2014/main" id="{0415E193-B486-6F49-8D7D-6B5C99B1B68C}"/>
+              </a:ext>
+            </a:extLst>
+          </p:cNvPr>
+          <p:cNvSpPr>
+            <a:spLocks noGrp="1"/>
+          </p:cNvSpPr>
+          <p:nvPr>
+            <p:ph type="title"/>
+          </p:nvPr>
+        </p:nvSpPr>
+        <p:spPr/>
+        <p:txBody>
+          <a:bodyPr/>
+          <a:lstStyle/>
+          <a:p>
+            <a:r>
+              <a:rPr lang="en-US" dirty="0"/>
+              <a:t>Library normalization</a:t>
+            </a:r>
+          </a:p>
+        </p:txBody>
+      </p:sp>
+      <p:sp>
+        <p:nvSpPr>
+          <p:cNvPr id="3" name="Content Placeholder 2">
+            <a:extLst>
+              <a:ext uri="{FF2B5EF4-FFF2-40B4-BE49-F238E27FC236}">
+                <a16:creationId xmlns:a16="http://schemas.microsoft.com/office/drawing/2014/main" id="{690BA211-CA48-8744-83D2-2E27A69BDD3E}"/>
+              </a:ext>
+            </a:extLst>
+          </p:cNvPr>
+          <p:cNvSpPr>
+            <a:spLocks noGrp="1"/>
+          </p:cNvSpPr>
+          <p:nvPr>
+            <p:ph idx="1"/>
+          </p:nvPr>
+        </p:nvSpPr>
+        <p:spPr/>
+        <p:txBody>
+          <a:bodyPr>
+            <a:normAutofit lnSpcReduction="10000"/>
+          </a:bodyPr>
+          <a:lstStyle/>
+          <a:p>
+            <a:r>
+              <a:rPr lang="en-US" dirty="0"/>
+              <a:t>The number of reads and the length of transcripts influence the number of measured reads </a:t>
+            </a:r>
+          </a:p>
+          <a:p>
+            <a:r>
+              <a:rPr lang="en-US" dirty="0"/>
+              <a:t>A gene may have 500 counts between two samples, but if one sample had 100K reads and another had 100M total reads, 500 would account for different fractions of total reads</a:t>
+            </a:r>
+          </a:p>
+          <a:p>
+            <a:r>
+              <a:rPr lang="en-US" dirty="0"/>
+              <a:t>A transcript that is 10kb will naturally fragment into 10x reads as a transcript that is only 1kb</a:t>
+            </a:r>
+          </a:p>
+          <a:p>
+            <a:endParaRPr lang="en-US" dirty="0"/>
+          </a:p>
+          <a:p>
+            <a:r>
+              <a:rPr lang="en-US" dirty="0"/>
+              <a:t>See </a:t>
+            </a:r>
+            <a:r>
+              <a:rPr lang="en-US" dirty="0">
+                <a:hlinkClick r:id="rId2"/>
+              </a:rPr>
+              <a:t>https://www.rna-seqblog.com/rpkm-fpkm-and-tpm-clearly-explained/</a:t>
+            </a:r>
+            <a:endParaRPr lang="en-US" dirty="0"/>
+          </a:p>
+        </p:txBody>
+      </p:sp>
+    </p:spTree>
+    <p:extLst>
+      <p:ext uri="{BB962C8B-B14F-4D97-AF65-F5344CB8AC3E}">
+        <p14:creationId xmlns:p14="http://schemas.microsoft.com/office/powerpoint/2010/main" val="128616518"/>
+      </p:ext>
+    </p:extLst>
+  </p:cSld>
+  <p:clrMapOvr>
+    <a:masterClrMapping/>
+  </p:clrMapOvr>
+</p:sld>
+</file>
+
+<file path=ppt/slides/slide12.xml><?xml version="1.0" encoding="utf-8"?>
+<p:sld xmlns:a="http://schemas.openxmlformats.org/drawingml/2006/main" xmlns:r="http://schemas.openxmlformats.org/officeDocument/2006/relationships" xmlns:p="http://schemas.openxmlformats.org/presentationml/2006/main">
+  <p:cSld>
+    <p:spTree>
+      <p:nvGrpSpPr>
+        <p:cNvPr id="1" name=""/>
+        <p:cNvGrpSpPr/>
+        <p:nvPr/>
+      </p:nvGrpSpPr>
+      <p:grpSpPr>
+        <a:xfrm>
+          <a:off x="0" y="0"/>
+          <a:ext cx="0" cy="0"/>
+          <a:chOff x="0" y="0"/>
+          <a:chExt cx="0" cy="0"/>
+        </a:xfrm>
+      </p:grpSpPr>
+      <p:sp>
+        <p:nvSpPr>
+          <p:cNvPr id="2" name="Title 1">
+            <a:extLst>
+              <a:ext uri="{FF2B5EF4-FFF2-40B4-BE49-F238E27FC236}">
+                <a16:creationId xmlns:a16="http://schemas.microsoft.com/office/drawing/2014/main" id="{FB7FFAB2-A4C3-E944-9BBD-84A7A889F474}"/>
+              </a:ext>
+            </a:extLst>
+          </p:cNvPr>
+          <p:cNvSpPr>
+            <a:spLocks noGrp="1"/>
+          </p:cNvSpPr>
+          <p:nvPr>
+            <p:ph type="title"/>
+          </p:nvPr>
+        </p:nvSpPr>
+        <p:spPr/>
+        <p:txBody>
+          <a:bodyPr/>
+          <a:lstStyle/>
+          <a:p>
+            <a:r>
+              <a:rPr lang="en-US" dirty="0"/>
+              <a:t>Performing normalization in R</a:t>
+            </a:r>
+          </a:p>
+        </p:txBody>
+      </p:sp>
+      <p:sp>
+        <p:nvSpPr>
+          <p:cNvPr id="3" name="Content Placeholder 2">
+            <a:extLst>
+              <a:ext uri="{FF2B5EF4-FFF2-40B4-BE49-F238E27FC236}">
+                <a16:creationId xmlns:a16="http://schemas.microsoft.com/office/drawing/2014/main" id="{4C7F2953-6C73-7A4D-856F-D1A7EBD13A44}"/>
+              </a:ext>
+            </a:extLst>
+          </p:cNvPr>
+          <p:cNvSpPr>
+            <a:spLocks noGrp="1"/>
+          </p:cNvSpPr>
+          <p:nvPr>
+            <p:ph idx="1"/>
+          </p:nvPr>
+        </p:nvSpPr>
+        <p:spPr/>
+        <p:txBody>
+          <a:bodyPr/>
+          <a:lstStyle/>
+          <a:p>
+            <a:r>
+              <a:rPr lang="en-US" dirty="0"/>
+              <a:t>Since we will only be running a comparison of each gene to each other, we will demonstrate RPM to factor out library size variability</a:t>
+            </a:r>
+          </a:p>
+          <a:p>
+            <a:pPr marL="0" indent="0">
+              <a:buNone/>
+            </a:pPr>
+            <a:endParaRPr lang="en-US" dirty="0"/>
+          </a:p>
+        </p:txBody>
+      </p:sp>
+      <p:pic>
+        <p:nvPicPr>
+          <p:cNvPr id="5" name="Picture 4">
+            <a:extLst>
+              <a:ext uri="{FF2B5EF4-FFF2-40B4-BE49-F238E27FC236}">
+                <a16:creationId xmlns:a16="http://schemas.microsoft.com/office/drawing/2014/main" id="{48D44BD0-C0D6-1B43-B556-CA5AEB8409AC}"/>
+              </a:ext>
+            </a:extLst>
+          </p:cNvPr>
+          <p:cNvPicPr>
+            <a:picLocks noChangeAspect="1"/>
+          </p:cNvPicPr>
+          <p:nvPr/>
+        </p:nvPicPr>
+        <p:blipFill>
+          <a:blip r:embed="rId2"/>
+          <a:stretch>
+            <a:fillRect/>
+          </a:stretch>
+        </p:blipFill>
+        <p:spPr>
+          <a:xfrm>
+            <a:off x="553473" y="3001103"/>
+            <a:ext cx="3745139" cy="2991194"/>
+          </a:xfrm>
+          <a:prstGeom prst="rect">
+            <a:avLst/>
+          </a:prstGeom>
+        </p:spPr>
+      </p:pic>
+      <p:sp>
+        <p:nvSpPr>
+          <p:cNvPr id="6" name="Rectangle 5">
+            <a:extLst>
+              <a:ext uri="{FF2B5EF4-FFF2-40B4-BE49-F238E27FC236}">
+                <a16:creationId xmlns:a16="http://schemas.microsoft.com/office/drawing/2014/main" id="{4EC614BB-9CA9-E540-9C53-641F43CCDF20}"/>
+              </a:ext>
+            </a:extLst>
+          </p:cNvPr>
+          <p:cNvSpPr/>
+          <p:nvPr/>
+        </p:nvSpPr>
+        <p:spPr>
+          <a:xfrm>
+            <a:off x="843237" y="5622965"/>
+            <a:ext cx="3165610" cy="369332"/>
+          </a:xfrm>
+          <a:prstGeom prst="rect">
+            <a:avLst/>
+          </a:prstGeom>
+        </p:spPr>
+        <p:txBody>
+          <a:bodyPr wrap="none">
+            <a:spAutoFit/>
+          </a:bodyPr>
+          <a:lstStyle/>
+          <a:p>
+            <a:r>
+              <a:rPr lang="en-US" dirty="0"/>
+              <a:t>boxplot(</a:t>
+            </a:r>
+            <a:r>
+              <a:rPr lang="en-US" dirty="0" err="1"/>
+              <a:t>as.matrix</a:t>
+            </a:r>
+            <a:r>
+              <a:rPr lang="en-US" dirty="0"/>
+              <a:t>(</a:t>
+            </a:r>
+            <a:r>
+              <a:rPr lang="en-US" dirty="0" err="1"/>
+              <a:t>count_table</a:t>
+            </a:r>
+            <a:r>
+              <a:rPr lang="en-US" dirty="0"/>
+              <a:t>))</a:t>
+            </a:r>
+          </a:p>
+        </p:txBody>
+      </p:sp>
+      <p:sp>
+        <p:nvSpPr>
+          <p:cNvPr id="7" name="Rectangle 6">
+            <a:extLst>
+              <a:ext uri="{FF2B5EF4-FFF2-40B4-BE49-F238E27FC236}">
+                <a16:creationId xmlns:a16="http://schemas.microsoft.com/office/drawing/2014/main" id="{DC648587-3E5A-E240-A990-6D31C8C15C3D}"/>
+              </a:ext>
+            </a:extLst>
+          </p:cNvPr>
+          <p:cNvSpPr/>
+          <p:nvPr/>
+        </p:nvSpPr>
+        <p:spPr>
+          <a:xfrm>
+            <a:off x="6507892" y="2800965"/>
+            <a:ext cx="6096000" cy="3693319"/>
+          </a:xfrm>
+          <a:prstGeom prst="rect">
+            <a:avLst/>
+          </a:prstGeom>
+        </p:spPr>
+        <p:txBody>
+          <a:bodyPr>
+            <a:spAutoFit/>
+          </a:bodyPr>
+          <a:lstStyle/>
+          <a:p>
+            <a:r>
+              <a:rPr lang="en-US" dirty="0" err="1"/>
+              <a:t>BiocManager</a:t>
+            </a:r>
+            <a:r>
+              <a:rPr lang="en-US" dirty="0"/>
+              <a:t>::install("</a:t>
+            </a:r>
+            <a:r>
+              <a:rPr lang="en-US" dirty="0" err="1"/>
+              <a:t>tweeDEseq</a:t>
+            </a:r>
+            <a:r>
+              <a:rPr lang="en-US" dirty="0"/>
+              <a:t>")</a:t>
+            </a:r>
+          </a:p>
+          <a:p>
+            <a:r>
+              <a:rPr lang="en-US" dirty="0"/>
+              <a:t>library(</a:t>
+            </a:r>
+            <a:r>
+              <a:rPr lang="en-US" dirty="0" err="1"/>
+              <a:t>tweeDEseq</a:t>
+            </a:r>
+            <a:r>
+              <a:rPr lang="en-US" dirty="0"/>
+              <a:t>)</a:t>
+            </a:r>
+          </a:p>
+          <a:p>
+            <a:r>
+              <a:rPr lang="en-US" dirty="0"/>
+              <a:t>norm &lt;- </a:t>
+            </a:r>
+            <a:r>
+              <a:rPr lang="en-US" dirty="0" err="1"/>
+              <a:t>normalizeCounts</a:t>
+            </a:r>
+            <a:r>
+              <a:rPr lang="en-US" dirty="0"/>
+              <a:t>(</a:t>
+            </a:r>
+            <a:r>
+              <a:rPr lang="en-US" dirty="0" err="1"/>
+              <a:t>count_table</a:t>
+            </a:r>
+            <a:r>
+              <a:rPr lang="en-US" dirty="0"/>
+              <a:t>, method="TMM")</a:t>
+            </a:r>
+          </a:p>
+          <a:p>
+            <a:endParaRPr lang="en-US" dirty="0"/>
+          </a:p>
+          <a:p>
+            <a:endParaRPr lang="en-US" dirty="0"/>
+          </a:p>
+          <a:p>
+            <a:endParaRPr lang="en-US" dirty="0"/>
+          </a:p>
+          <a:p>
+            <a:endParaRPr lang="en-US" dirty="0"/>
+          </a:p>
+          <a:p>
+            <a:endParaRPr lang="en-US" dirty="0"/>
+          </a:p>
+          <a:p>
+            <a:endParaRPr lang="en-US" dirty="0"/>
+          </a:p>
+          <a:p>
+            <a:endParaRPr lang="en-US" dirty="0"/>
+          </a:p>
+          <a:p>
+            <a:endParaRPr lang="en-US" dirty="0"/>
+          </a:p>
+          <a:p>
+            <a:endParaRPr lang="en-US" dirty="0"/>
+          </a:p>
+          <a:p>
+            <a:r>
+              <a:rPr lang="en-US" dirty="0"/>
+              <a:t>boxplot(norm)</a:t>
+            </a:r>
+          </a:p>
+        </p:txBody>
+      </p:sp>
+      <p:pic>
+        <p:nvPicPr>
+          <p:cNvPr id="9" name="Picture 8">
+            <a:extLst>
+              <a:ext uri="{FF2B5EF4-FFF2-40B4-BE49-F238E27FC236}">
+                <a16:creationId xmlns:a16="http://schemas.microsoft.com/office/drawing/2014/main" id="{195F9C4E-D376-2448-93F4-A91F46D35A06}"/>
+              </a:ext>
+            </a:extLst>
+          </p:cNvPr>
+          <p:cNvPicPr>
+            <a:picLocks noChangeAspect="1"/>
+          </p:cNvPicPr>
+          <p:nvPr/>
+        </p:nvPicPr>
+        <p:blipFill rotWithShape="1">
+          <a:blip r:embed="rId3"/>
+          <a:srcRect t="19744" b="15727"/>
+          <a:stretch/>
+        </p:blipFill>
+        <p:spPr>
+          <a:xfrm>
+            <a:off x="6218127" y="3930053"/>
+            <a:ext cx="2439375" cy="1877578"/>
+          </a:xfrm>
+          <a:prstGeom prst="rect">
+            <a:avLst/>
+          </a:prstGeom>
+        </p:spPr>
+      </p:pic>
+    </p:spTree>
+    <p:extLst>
+      <p:ext uri="{BB962C8B-B14F-4D97-AF65-F5344CB8AC3E}">
+        <p14:creationId xmlns:p14="http://schemas.microsoft.com/office/powerpoint/2010/main" val="1483195643"/>
+      </p:ext>
+    </p:extLst>
+  </p:cSld>
+  <p:clrMapOvr>
+    <a:masterClrMapping/>
+  </p:clrMapOvr>
+</p:sld>
+</file>
+
+<file path=ppt/slides/slide13.xml><?xml version="1.0" encoding="utf-8"?>
+<p:sld xmlns:a="http://schemas.openxmlformats.org/drawingml/2006/main" xmlns:r="http://schemas.openxmlformats.org/officeDocument/2006/relationships" xmlns:p="http://schemas.openxmlformats.org/presentationml/2006/main">
+  <p:cSld>
+    <p:spTree>
+      <p:nvGrpSpPr>
+        <p:cNvPr id="1" name=""/>
+        <p:cNvGrpSpPr/>
+        <p:nvPr/>
+      </p:nvGrpSpPr>
+      <p:grpSpPr>
+        <a:xfrm>
+          <a:off x="0" y="0"/>
+          <a:ext cx="0" cy="0"/>
+          <a:chOff x="0" y="0"/>
+          <a:chExt cx="0" cy="0"/>
+        </a:xfrm>
+      </p:grpSpPr>
+      <p:sp>
+        <p:nvSpPr>
+          <p:cNvPr id="2" name="Title 1">
+            <a:extLst>
+              <a:ext uri="{FF2B5EF4-FFF2-40B4-BE49-F238E27FC236}">
+                <a16:creationId xmlns:a16="http://schemas.microsoft.com/office/drawing/2014/main" id="{1F38716C-BD0C-2645-9DB3-C1B7D136FF3D}"/>
+              </a:ext>
+            </a:extLst>
+          </p:cNvPr>
+          <p:cNvSpPr>
+            <a:spLocks noGrp="1"/>
+          </p:cNvSpPr>
+          <p:nvPr>
+            <p:ph type="title"/>
+          </p:nvPr>
+        </p:nvSpPr>
+        <p:spPr/>
+        <p:txBody>
+          <a:bodyPr/>
+          <a:lstStyle/>
+          <a:p>
+            <a:r>
+              <a:rPr lang="en-US" dirty="0"/>
+              <a:t>Scatter plots to compare replicates in R</a:t>
+            </a:r>
+          </a:p>
+        </p:txBody>
+      </p:sp>
+      <p:sp>
+        <p:nvSpPr>
+          <p:cNvPr id="4" name="Content Placeholder 2">
+            <a:extLst>
+              <a:ext uri="{FF2B5EF4-FFF2-40B4-BE49-F238E27FC236}">
+                <a16:creationId xmlns:a16="http://schemas.microsoft.com/office/drawing/2014/main" id="{7F489344-A830-AA4E-9A23-85631E70EF6E}"/>
+              </a:ext>
+            </a:extLst>
+          </p:cNvPr>
+          <p:cNvSpPr txBox="1">
+            <a:spLocks/>
+          </p:cNvSpPr>
+          <p:nvPr/>
+        </p:nvSpPr>
+        <p:spPr>
+          <a:xfrm>
+            <a:off x="6662352" y="1690687"/>
+            <a:ext cx="4592594" cy="942289"/>
+          </a:xfrm>
+          <a:prstGeom prst="rect">
+            <a:avLst/>
+          </a:prstGeom>
+        </p:spPr>
+        <p:txBody>
+          <a:bodyPr vert="horz" lIns="91440" tIns="45720" rIns="91440" bIns="45720" rtlCol="0">
+            <a:normAutofit/>
+          </a:bodyPr>
+          <a:lstStyle>
+            <a:lvl1pPr marL="228600" indent="-228600" algn="l" defTabSz="914400" rtl="0" eaLnBrk="1" latinLnBrk="0" hangingPunct="1">
+              <a:lnSpc>
+                <a:spcPct val="90000"/>
+              </a:lnSpc>
+              <a:spcBef>
+                <a:spcPts val="1000"/>
+              </a:spcBef>
+              <a:buFont typeface="Arial" panose="020B0604020202020204" pitchFamily="34" charset="0"/>
+              <a:buChar char="•"/>
+              <a:defRPr sz="2800" kern="1200">
+                <a:solidFill>
+                  <a:schemeClr val="tx1"/>
+                </a:solidFill>
+                <a:latin typeface="+mn-lt"/>
+                <a:ea typeface="+mn-ea"/>
+                <a:cs typeface="+mn-cs"/>
+              </a:defRPr>
+            </a:lvl1pPr>
+            <a:lvl2pPr marL="685800" indent="-228600" algn="l" defTabSz="914400" rtl="0" eaLnBrk="1" latinLnBrk="0" hangingPunct="1">
+              <a:lnSpc>
+                <a:spcPct val="90000"/>
+              </a:lnSpc>
+              <a:spcBef>
+                <a:spcPts val="500"/>
+              </a:spcBef>
+              <a:buFont typeface="Arial" panose="020B0604020202020204" pitchFamily="34" charset="0"/>
+              <a:buChar char="•"/>
+              <a:defRPr sz="2400" kern="1200">
+                <a:solidFill>
+                  <a:schemeClr val="tx1"/>
+                </a:solidFill>
+                <a:latin typeface="+mn-lt"/>
+                <a:ea typeface="+mn-ea"/>
+                <a:cs typeface="+mn-cs"/>
+              </a:defRPr>
+            </a:lvl2pPr>
+            <a:lvl3pPr marL="1143000" indent="-228600" algn="l" defTabSz="914400" rtl="0" eaLnBrk="1" latinLnBrk="0" hangingPunct="1">
+              <a:lnSpc>
+                <a:spcPct val="90000"/>
+              </a:lnSpc>
+              <a:spcBef>
+                <a:spcPts val="500"/>
+              </a:spcBef>
+              <a:buFont typeface="Arial" panose="020B0604020202020204" pitchFamily="34" charset="0"/>
+              <a:buChar char="•"/>
+              <a:defRPr sz="2000" kern="1200">
+                <a:solidFill>
+                  <a:schemeClr val="tx1"/>
+                </a:solidFill>
+                <a:latin typeface="+mn-lt"/>
+                <a:ea typeface="+mn-ea"/>
+                <a:cs typeface="+mn-cs"/>
+              </a:defRPr>
+            </a:lvl3pPr>
+            <a:lvl4pPr marL="1600200" indent="-228600" algn="l" defTabSz="914400" rtl="0" eaLnBrk="1" latinLnBrk="0" hangingPunct="1">
+              <a:lnSpc>
+                <a:spcPct val="90000"/>
+              </a:lnSpc>
+              <a:spcBef>
+                <a:spcPts val="500"/>
+              </a:spcBef>
+              <a:buFont typeface="Arial" panose="020B0604020202020204" pitchFamily="34" charset="0"/>
+              <a:buChar char="•"/>
+              <a:defRPr sz="1800" kern="1200">
+                <a:solidFill>
+                  <a:schemeClr val="tx1"/>
+                </a:solidFill>
+                <a:latin typeface="+mn-lt"/>
+                <a:ea typeface="+mn-ea"/>
+                <a:cs typeface="+mn-cs"/>
+              </a:defRPr>
+            </a:lvl4pPr>
+            <a:lvl5pPr marL="2057400" indent="-228600" algn="l" defTabSz="914400" rtl="0" eaLnBrk="1" latinLnBrk="0" hangingPunct="1">
+              <a:lnSpc>
+                <a:spcPct val="90000"/>
+              </a:lnSpc>
+              <a:spcBef>
+                <a:spcPts val="500"/>
+              </a:spcBef>
+              <a:buFont typeface="Arial" panose="020B0604020202020204" pitchFamily="34" charset="0"/>
+              <a:buChar char="•"/>
+              <a:defRPr sz="1800" kern="1200">
+                <a:solidFill>
+                  <a:schemeClr val="tx1"/>
+                </a:solidFill>
+                <a:latin typeface="+mn-lt"/>
+                <a:ea typeface="+mn-ea"/>
+                <a:cs typeface="+mn-cs"/>
+              </a:defRPr>
+            </a:lvl5pPr>
+            <a:lvl6pPr marL="2514600" indent="-228600" algn="l" defTabSz="914400" rtl="0" eaLnBrk="1" latinLnBrk="0" hangingPunct="1">
+              <a:lnSpc>
+                <a:spcPct val="90000"/>
+              </a:lnSpc>
+              <a:spcBef>
+                <a:spcPts val="500"/>
+              </a:spcBef>
+              <a:buFont typeface="Arial" panose="020B0604020202020204" pitchFamily="34" charset="0"/>
+              <a:buChar char="•"/>
+              <a:defRPr sz="1800" kern="1200">
+                <a:solidFill>
+                  <a:schemeClr val="tx1"/>
+                </a:solidFill>
+                <a:latin typeface="+mn-lt"/>
+                <a:ea typeface="+mn-ea"/>
+                <a:cs typeface="+mn-cs"/>
+              </a:defRPr>
+            </a:lvl6pPr>
+            <a:lvl7pPr marL="2971800" indent="-228600" algn="l" defTabSz="914400" rtl="0" eaLnBrk="1" latinLnBrk="0" hangingPunct="1">
+              <a:lnSpc>
+                <a:spcPct val="90000"/>
+              </a:lnSpc>
+              <a:spcBef>
+                <a:spcPts val="500"/>
+              </a:spcBef>
+              <a:buFont typeface="Arial" panose="020B0604020202020204" pitchFamily="34" charset="0"/>
+              <a:buChar char="•"/>
+              <a:defRPr sz="1800" kern="1200">
+                <a:solidFill>
+                  <a:schemeClr val="tx1"/>
+                </a:solidFill>
+                <a:latin typeface="+mn-lt"/>
+                <a:ea typeface="+mn-ea"/>
+                <a:cs typeface="+mn-cs"/>
+              </a:defRPr>
+            </a:lvl7pPr>
+            <a:lvl8pPr marL="3429000" indent="-228600" algn="l" defTabSz="914400" rtl="0" eaLnBrk="1" latinLnBrk="0" hangingPunct="1">
+              <a:lnSpc>
+                <a:spcPct val="90000"/>
+              </a:lnSpc>
+              <a:spcBef>
+                <a:spcPts val="500"/>
+              </a:spcBef>
+              <a:buFont typeface="Arial" panose="020B0604020202020204" pitchFamily="34" charset="0"/>
+              <a:buChar char="•"/>
+              <a:defRPr sz="1800" kern="1200">
+                <a:solidFill>
+                  <a:schemeClr val="tx1"/>
+                </a:solidFill>
+                <a:latin typeface="+mn-lt"/>
+                <a:ea typeface="+mn-ea"/>
+                <a:cs typeface="+mn-cs"/>
+              </a:defRPr>
+            </a:lvl8pPr>
+            <a:lvl9pPr marL="3886200" indent="-228600" algn="l" defTabSz="914400" rtl="0" eaLnBrk="1" latinLnBrk="0" hangingPunct="1">
+              <a:lnSpc>
+                <a:spcPct val="90000"/>
+              </a:lnSpc>
+              <a:spcBef>
+                <a:spcPts val="500"/>
+              </a:spcBef>
+              <a:buFont typeface="Arial" panose="020B0604020202020204" pitchFamily="34" charset="0"/>
+              <a:buChar char="•"/>
+              <a:defRPr sz="1800" kern="1200">
+                <a:solidFill>
+                  <a:schemeClr val="tx1"/>
+                </a:solidFill>
+                <a:latin typeface="+mn-lt"/>
+                <a:ea typeface="+mn-ea"/>
+                <a:cs typeface="+mn-cs"/>
+              </a:defRPr>
+            </a:lvl9pPr>
+          </a:lstStyle>
+          <a:p>
+            <a:pPr marL="0" indent="0">
+              <a:buFont typeface="Arial" panose="020B0604020202020204" pitchFamily="34" charset="0"/>
+              <a:buNone/>
+            </a:pPr>
+            <a:r>
+              <a:rPr lang="en-US" sz="2000" dirty="0"/>
+              <a:t>NOT REPLICATES:</a:t>
+            </a:r>
+          </a:p>
+          <a:p>
+            <a:pPr marL="0" indent="0">
+              <a:buFont typeface="Arial" panose="020B0604020202020204" pitchFamily="34" charset="0"/>
+              <a:buNone/>
+            </a:pPr>
+            <a:r>
+              <a:rPr lang="en-US" sz="2000" dirty="0"/>
+              <a:t>plot(log(norm[,1] + 1), log(norm[,2] + 1))</a:t>
+            </a:r>
+          </a:p>
+        </p:txBody>
+      </p:sp>
+      <p:sp>
+        <p:nvSpPr>
+          <p:cNvPr id="7" name="Content Placeholder 2">
+            <a:extLst>
+              <a:ext uri="{FF2B5EF4-FFF2-40B4-BE49-F238E27FC236}">
+                <a16:creationId xmlns:a16="http://schemas.microsoft.com/office/drawing/2014/main" id="{38D503AB-3E28-C444-A52C-1B7AACBD8D0A}"/>
+              </a:ext>
+            </a:extLst>
+          </p:cNvPr>
+          <p:cNvSpPr txBox="1">
+            <a:spLocks/>
+          </p:cNvSpPr>
+          <p:nvPr/>
+        </p:nvSpPr>
+        <p:spPr>
+          <a:xfrm>
+            <a:off x="747585" y="1690688"/>
+            <a:ext cx="4592594" cy="942289"/>
+          </a:xfrm>
+          <a:prstGeom prst="rect">
+            <a:avLst/>
+          </a:prstGeom>
+        </p:spPr>
+        <p:txBody>
+          <a:bodyPr vert="horz" lIns="91440" tIns="45720" rIns="91440" bIns="45720" rtlCol="0">
+            <a:normAutofit/>
+          </a:bodyPr>
+          <a:lstStyle>
+            <a:lvl1pPr marL="228600" indent="-228600" algn="l" defTabSz="914400" rtl="0" eaLnBrk="1" latinLnBrk="0" hangingPunct="1">
+              <a:lnSpc>
+                <a:spcPct val="90000"/>
+              </a:lnSpc>
+              <a:spcBef>
+                <a:spcPts val="1000"/>
+              </a:spcBef>
+              <a:buFont typeface="Arial" panose="020B0604020202020204" pitchFamily="34" charset="0"/>
+              <a:buChar char="•"/>
+              <a:defRPr sz="2800" kern="1200">
+                <a:solidFill>
+                  <a:schemeClr val="tx1"/>
+                </a:solidFill>
+                <a:latin typeface="+mn-lt"/>
+                <a:ea typeface="+mn-ea"/>
+                <a:cs typeface="+mn-cs"/>
+              </a:defRPr>
+            </a:lvl1pPr>
+            <a:lvl2pPr marL="685800" indent="-228600" algn="l" defTabSz="914400" rtl="0" eaLnBrk="1" latinLnBrk="0" hangingPunct="1">
+              <a:lnSpc>
+                <a:spcPct val="90000"/>
+              </a:lnSpc>
+              <a:spcBef>
+                <a:spcPts val="500"/>
+              </a:spcBef>
+              <a:buFont typeface="Arial" panose="020B0604020202020204" pitchFamily="34" charset="0"/>
+              <a:buChar char="•"/>
+              <a:defRPr sz="2400" kern="1200">
+                <a:solidFill>
+                  <a:schemeClr val="tx1"/>
+                </a:solidFill>
+                <a:latin typeface="+mn-lt"/>
+                <a:ea typeface="+mn-ea"/>
+                <a:cs typeface="+mn-cs"/>
+              </a:defRPr>
+            </a:lvl2pPr>
+            <a:lvl3pPr marL="1143000" indent="-228600" algn="l" defTabSz="914400" rtl="0" eaLnBrk="1" latinLnBrk="0" hangingPunct="1">
+              <a:lnSpc>
+                <a:spcPct val="90000"/>
+              </a:lnSpc>
+              <a:spcBef>
+                <a:spcPts val="500"/>
+              </a:spcBef>
+              <a:buFont typeface="Arial" panose="020B0604020202020204" pitchFamily="34" charset="0"/>
+              <a:buChar char="•"/>
+              <a:defRPr sz="2000" kern="1200">
+                <a:solidFill>
+                  <a:schemeClr val="tx1"/>
+                </a:solidFill>
+                <a:latin typeface="+mn-lt"/>
+                <a:ea typeface="+mn-ea"/>
+                <a:cs typeface="+mn-cs"/>
+              </a:defRPr>
+            </a:lvl3pPr>
+            <a:lvl4pPr marL="1600200" indent="-228600" algn="l" defTabSz="914400" rtl="0" eaLnBrk="1" latinLnBrk="0" hangingPunct="1">
+              <a:lnSpc>
+                <a:spcPct val="90000"/>
+              </a:lnSpc>
+              <a:spcBef>
+                <a:spcPts val="500"/>
+              </a:spcBef>
+              <a:buFont typeface="Arial" panose="020B0604020202020204" pitchFamily="34" charset="0"/>
+              <a:buChar char="•"/>
+              <a:defRPr sz="1800" kern="1200">
+                <a:solidFill>
+                  <a:schemeClr val="tx1"/>
+                </a:solidFill>
+                <a:latin typeface="+mn-lt"/>
+                <a:ea typeface="+mn-ea"/>
+                <a:cs typeface="+mn-cs"/>
+              </a:defRPr>
+            </a:lvl4pPr>
+            <a:lvl5pPr marL="2057400" indent="-228600" algn="l" defTabSz="914400" rtl="0" eaLnBrk="1" latinLnBrk="0" hangingPunct="1">
+              <a:lnSpc>
+                <a:spcPct val="90000"/>
+              </a:lnSpc>
+              <a:spcBef>
+                <a:spcPts val="500"/>
+              </a:spcBef>
+              <a:buFont typeface="Arial" panose="020B0604020202020204" pitchFamily="34" charset="0"/>
+              <a:buChar char="•"/>
+              <a:defRPr sz="1800" kern="1200">
+                <a:solidFill>
+                  <a:schemeClr val="tx1"/>
+                </a:solidFill>
+                <a:latin typeface="+mn-lt"/>
+                <a:ea typeface="+mn-ea"/>
+                <a:cs typeface="+mn-cs"/>
+              </a:defRPr>
+            </a:lvl5pPr>
+            <a:lvl6pPr marL="2514600" indent="-228600" algn="l" defTabSz="914400" rtl="0" eaLnBrk="1" latinLnBrk="0" hangingPunct="1">
+              <a:lnSpc>
+                <a:spcPct val="90000"/>
+              </a:lnSpc>
+              <a:spcBef>
+                <a:spcPts val="500"/>
+              </a:spcBef>
+              <a:buFont typeface="Arial" panose="020B0604020202020204" pitchFamily="34" charset="0"/>
+              <a:buChar char="•"/>
+              <a:defRPr sz="1800" kern="1200">
+                <a:solidFill>
+                  <a:schemeClr val="tx1"/>
+                </a:solidFill>
+                <a:latin typeface="+mn-lt"/>
+                <a:ea typeface="+mn-ea"/>
+                <a:cs typeface="+mn-cs"/>
+              </a:defRPr>
+            </a:lvl6pPr>
+            <a:lvl7pPr marL="2971800" indent="-228600" algn="l" defTabSz="914400" rtl="0" eaLnBrk="1" latinLnBrk="0" hangingPunct="1">
+              <a:lnSpc>
+                <a:spcPct val="90000"/>
+              </a:lnSpc>
+              <a:spcBef>
+                <a:spcPts val="500"/>
+              </a:spcBef>
+              <a:buFont typeface="Arial" panose="020B0604020202020204" pitchFamily="34" charset="0"/>
+              <a:buChar char="•"/>
+              <a:defRPr sz="1800" kern="1200">
+                <a:solidFill>
+                  <a:schemeClr val="tx1"/>
+                </a:solidFill>
+                <a:latin typeface="+mn-lt"/>
+                <a:ea typeface="+mn-ea"/>
+                <a:cs typeface="+mn-cs"/>
+              </a:defRPr>
+            </a:lvl7pPr>
+            <a:lvl8pPr marL="3429000" indent="-228600" algn="l" defTabSz="914400" rtl="0" eaLnBrk="1" latinLnBrk="0" hangingPunct="1">
+              <a:lnSpc>
+                <a:spcPct val="90000"/>
+              </a:lnSpc>
+              <a:spcBef>
+                <a:spcPts val="500"/>
+              </a:spcBef>
+              <a:buFont typeface="Arial" panose="020B0604020202020204" pitchFamily="34" charset="0"/>
+              <a:buChar char="•"/>
+              <a:defRPr sz="1800" kern="1200">
+                <a:solidFill>
+                  <a:schemeClr val="tx1"/>
+                </a:solidFill>
+                <a:latin typeface="+mn-lt"/>
+                <a:ea typeface="+mn-ea"/>
+                <a:cs typeface="+mn-cs"/>
+              </a:defRPr>
+            </a:lvl8pPr>
+            <a:lvl9pPr marL="3886200" indent="-228600" algn="l" defTabSz="914400" rtl="0" eaLnBrk="1" latinLnBrk="0" hangingPunct="1">
+              <a:lnSpc>
+                <a:spcPct val="90000"/>
+              </a:lnSpc>
+              <a:spcBef>
+                <a:spcPts val="500"/>
+              </a:spcBef>
+              <a:buFont typeface="Arial" panose="020B0604020202020204" pitchFamily="34" charset="0"/>
+              <a:buChar char="•"/>
+              <a:defRPr sz="1800" kern="1200">
+                <a:solidFill>
+                  <a:schemeClr val="tx1"/>
+                </a:solidFill>
+                <a:latin typeface="+mn-lt"/>
+                <a:ea typeface="+mn-ea"/>
+                <a:cs typeface="+mn-cs"/>
+              </a:defRPr>
+            </a:lvl9pPr>
+          </a:lstStyle>
+          <a:p>
+            <a:pPr marL="0" indent="0">
+              <a:buFont typeface="Arial" panose="020B0604020202020204" pitchFamily="34" charset="0"/>
+              <a:buNone/>
+            </a:pPr>
+            <a:r>
+              <a:rPr lang="en-US" sz="2000" dirty="0"/>
+              <a:t>REPLICATES:</a:t>
+            </a:r>
+          </a:p>
+          <a:p>
+            <a:pPr marL="0" indent="0">
+              <a:buFont typeface="Arial" panose="020B0604020202020204" pitchFamily="34" charset="0"/>
+              <a:buNone/>
+            </a:pPr>
+            <a:r>
+              <a:rPr lang="en-US" sz="2000" dirty="0"/>
+              <a:t>plot(log(norm[,1] + 1), log(norm[,3] + 1))</a:t>
+            </a:r>
+          </a:p>
+        </p:txBody>
+      </p:sp>
+      <p:pic>
+        <p:nvPicPr>
+          <p:cNvPr id="9" name="Picture 8">
+            <a:extLst>
+              <a:ext uri="{FF2B5EF4-FFF2-40B4-BE49-F238E27FC236}">
+                <a16:creationId xmlns:a16="http://schemas.microsoft.com/office/drawing/2014/main" id="{AF0332CE-76EA-A74E-8068-2CDCCA23B91A}"/>
+              </a:ext>
+            </a:extLst>
+          </p:cNvPr>
+          <p:cNvPicPr>
+            <a:picLocks noChangeAspect="1"/>
+          </p:cNvPicPr>
+          <p:nvPr/>
+        </p:nvPicPr>
+        <p:blipFill>
+          <a:blip r:embed="rId2"/>
+          <a:stretch>
+            <a:fillRect/>
+          </a:stretch>
+        </p:blipFill>
+        <p:spPr>
+          <a:xfrm>
+            <a:off x="1335560" y="2767913"/>
+            <a:ext cx="2808107" cy="3349539"/>
+          </a:xfrm>
+          <a:prstGeom prst="rect">
+            <a:avLst/>
+          </a:prstGeom>
+        </p:spPr>
+      </p:pic>
+      <p:pic>
+        <p:nvPicPr>
+          <p:cNvPr id="11" name="Picture 10">
+            <a:extLst>
+              <a:ext uri="{FF2B5EF4-FFF2-40B4-BE49-F238E27FC236}">
+                <a16:creationId xmlns:a16="http://schemas.microsoft.com/office/drawing/2014/main" id="{6BF2FC17-A321-474E-AE29-8A3EF7AC314B}"/>
+              </a:ext>
+            </a:extLst>
+          </p:cNvPr>
+          <p:cNvPicPr>
+            <a:picLocks noChangeAspect="1"/>
+          </p:cNvPicPr>
+          <p:nvPr/>
+        </p:nvPicPr>
+        <p:blipFill>
+          <a:blip r:embed="rId3"/>
+          <a:stretch>
+            <a:fillRect/>
+          </a:stretch>
+        </p:blipFill>
+        <p:spPr>
+          <a:xfrm>
+            <a:off x="7554595" y="2767913"/>
+            <a:ext cx="2808108" cy="3349540"/>
+          </a:xfrm>
+          <a:prstGeom prst="rect">
+            <a:avLst/>
+          </a:prstGeom>
+        </p:spPr>
+      </p:pic>
+    </p:spTree>
+    <p:extLst>
+      <p:ext uri="{BB962C8B-B14F-4D97-AF65-F5344CB8AC3E}">
+        <p14:creationId xmlns:p14="http://schemas.microsoft.com/office/powerpoint/2010/main" val="4005693515"/>
+      </p:ext>
+    </p:extLst>
+  </p:cSld>
+  <p:clrMapOvr>
+    <a:masterClrMapping/>
+  </p:clrMapOvr>
+</p:sld>
+</file>
+
+<file path=ppt/slides/slide14.xml><?xml version="1.0" encoding="utf-8"?>
+<p:sld xmlns:a="http://schemas.openxmlformats.org/drawingml/2006/main" xmlns:r="http://schemas.openxmlformats.org/officeDocument/2006/relationships" xmlns:p="http://schemas.openxmlformats.org/presentationml/2006/main">
+  <p:cSld>
+    <p:spTree>
+      <p:nvGrpSpPr>
+        <p:cNvPr id="1" name=""/>
+        <p:cNvGrpSpPr/>
+        <p:nvPr/>
+      </p:nvGrpSpPr>
+      <p:grpSpPr>
+        <a:xfrm>
+          <a:off x="0" y="0"/>
+          <a:ext cx="0" cy="0"/>
+          <a:chOff x="0" y="0"/>
+          <a:chExt cx="0" cy="0"/>
+        </a:xfrm>
+      </p:grpSpPr>
+      <p:sp>
+        <p:nvSpPr>
+          <p:cNvPr id="2" name="Title 1">
+            <a:extLst>
+              <a:ext uri="{FF2B5EF4-FFF2-40B4-BE49-F238E27FC236}">
+                <a16:creationId xmlns:a16="http://schemas.microsoft.com/office/drawing/2014/main" id="{214244A6-867D-C044-91B9-C0B517C1C70F}"/>
+              </a:ext>
+            </a:extLst>
+          </p:cNvPr>
+          <p:cNvSpPr>
+            <a:spLocks noGrp="1"/>
+          </p:cNvSpPr>
+          <p:nvPr>
+            <p:ph type="title"/>
+          </p:nvPr>
+        </p:nvSpPr>
+        <p:spPr/>
+        <p:txBody>
+          <a:bodyPr/>
+          <a:lstStyle/>
+          <a:p>
+            <a:r>
+              <a:rPr lang="en-US" dirty="0"/>
+              <a:t>Homework</a:t>
+            </a:r>
+          </a:p>
+        </p:txBody>
+      </p:sp>
+      <p:sp>
+        <p:nvSpPr>
+          <p:cNvPr id="3" name="Content Placeholder 2">
+            <a:extLst>
+              <a:ext uri="{FF2B5EF4-FFF2-40B4-BE49-F238E27FC236}">
+                <a16:creationId xmlns:a16="http://schemas.microsoft.com/office/drawing/2014/main" id="{CC2AB957-4C2E-AA4C-A9A9-44F9B585BCCC}"/>
+              </a:ext>
+            </a:extLst>
+          </p:cNvPr>
+          <p:cNvSpPr>
+            <a:spLocks noGrp="1"/>
+          </p:cNvSpPr>
+          <p:nvPr>
+            <p:ph idx="1"/>
+          </p:nvPr>
+        </p:nvSpPr>
+        <p:spPr/>
+        <p:txBody>
+          <a:bodyPr>
+            <a:normAutofit/>
+          </a:bodyPr>
+          <a:lstStyle/>
+          <a:p>
+            <a:r>
+              <a:rPr lang="en-US" i="1" dirty="0"/>
+              <a:t>Perform differential expression analysis of your read count table from before. Identify the 25 most up-regulated and down-regulated genes from your dataset. Do these make sense in the context of the model?</a:t>
+            </a:r>
+          </a:p>
+          <a:p>
+            <a:r>
+              <a:rPr lang="en-US" i="1" dirty="0"/>
+              <a:t>Verify biological replicates look similar using scatter plots</a:t>
+            </a:r>
+            <a:endParaRPr lang="en-US" dirty="0"/>
+          </a:p>
+          <a:p>
+            <a:endParaRPr lang="en-US" dirty="0"/>
+          </a:p>
+          <a:p>
+            <a:endParaRPr lang="en-US" dirty="0"/>
+          </a:p>
+        </p:txBody>
+      </p:sp>
+    </p:spTree>
+    <p:extLst>
+      <p:ext uri="{BB962C8B-B14F-4D97-AF65-F5344CB8AC3E}">
+        <p14:creationId xmlns:p14="http://schemas.microsoft.com/office/powerpoint/2010/main" val="2053757244"/>
+      </p:ext>
+    </p:extLst>
+  </p:cSld>
+  <p:clrMapOvr>
+    <a:masterClrMapping/>
+  </p:clrMapOvr>
+</p:sld>
+</file>
+
+<file path=ppt/slides/slide2.xml><?xml version="1.0" encoding="utf-8"?>
+<p:sld xmlns:a="http://schemas.openxmlformats.org/drawingml/2006/main" xmlns:r="http://schemas.openxmlformats.org/officeDocument/2006/relationships" xmlns:p="http://schemas.openxmlformats.org/presentationml/2006/main">
+  <p:cSld>
+    <p:spTree>
+      <p:nvGrpSpPr>
+        <p:cNvPr id="1" name=""/>
+        <p:cNvGrpSpPr/>
+        <p:nvPr/>
+      </p:nvGrpSpPr>
+      <p:grpSpPr>
+        <a:xfrm>
+          <a:off x="0" y="0"/>
+          <a:ext cx="0" cy="0"/>
+          <a:chOff x="0" y="0"/>
+          <a:chExt cx="0" cy="0"/>
+        </a:xfrm>
+      </p:grpSpPr>
+      <p:sp>
+        <p:nvSpPr>
+          <p:cNvPr id="2" name="Title 1">
+            <a:extLst>
+              <a:ext uri="{FF2B5EF4-FFF2-40B4-BE49-F238E27FC236}">
                 <a16:creationId xmlns:a16="http://schemas.microsoft.com/office/drawing/2014/main" id="{D84FD462-78F6-1744-88DC-90F986F10A2F}"/>
               </a:ext>
             </a:extLst>
@@ -3809,7 +5168,7 @@
         <p:spPr/>
         <p:txBody>
           <a:bodyPr>
-            <a:normAutofit fontScale="77500" lnSpcReduction="20000"/>
+            <a:normAutofit fontScale="92500" lnSpcReduction="10000"/>
           </a:bodyPr>
           <a:lstStyle/>
           <a:p>
@@ -3821,25 +5180,19 @@
           <a:p>
             <a:r>
               <a:rPr lang="en-US" dirty="0"/>
+              <a:t>Multiple Hypothesis Testing</a:t>
+            </a:r>
+          </a:p>
+          <a:p>
+            <a:r>
+              <a:rPr lang="en-US" dirty="0"/>
               <a:t>Data normalization</a:t>
             </a:r>
           </a:p>
           <a:p>
             <a:r>
               <a:rPr lang="en-US" dirty="0"/>
-              <a:t>Multiple Hypothesis Testing</a:t>
-            </a:r>
-          </a:p>
-          <a:p>
-            <a:r>
-              <a:rPr lang="en-US" dirty="0"/>
-              <a:t>T-tests, ANOVA</a:t>
-            </a:r>
-          </a:p>
-          <a:p>
-            <a:r>
-              <a:rPr lang="en-US" dirty="0"/>
-              <a:t>Linear regressions</a:t>
+              <a:t>Scatter Plots</a:t>
             </a:r>
           </a:p>
           <a:p>
@@ -3851,6 +5204,1199 @@
     <p:extLst>
       <p:ext uri="{BB962C8B-B14F-4D97-AF65-F5344CB8AC3E}">
         <p14:creationId xmlns:p14="http://schemas.microsoft.com/office/powerpoint/2010/main" val="1185113121"/>
+      </p:ext>
+    </p:extLst>
+  </p:cSld>
+  <p:clrMapOvr>
+    <a:masterClrMapping/>
+  </p:clrMapOvr>
+</p:sld>
+</file>
+
+<file path=ppt/slides/slide3.xml><?xml version="1.0" encoding="utf-8"?>
+<p:sld xmlns:a="http://schemas.openxmlformats.org/drawingml/2006/main" xmlns:r="http://schemas.openxmlformats.org/officeDocument/2006/relationships" xmlns:p="http://schemas.openxmlformats.org/presentationml/2006/main">
+  <p:cSld>
+    <p:spTree>
+      <p:nvGrpSpPr>
+        <p:cNvPr id="1" name=""/>
+        <p:cNvGrpSpPr/>
+        <p:nvPr/>
+      </p:nvGrpSpPr>
+      <p:grpSpPr>
+        <a:xfrm>
+          <a:off x="0" y="0"/>
+          <a:ext cx="0" cy="0"/>
+          <a:chOff x="0" y="0"/>
+          <a:chExt cx="0" cy="0"/>
+        </a:xfrm>
+      </p:grpSpPr>
+      <p:sp>
+        <p:nvSpPr>
+          <p:cNvPr id="2" name="Title 1">
+            <a:extLst>
+              <a:ext uri="{FF2B5EF4-FFF2-40B4-BE49-F238E27FC236}">
+                <a16:creationId xmlns:a16="http://schemas.microsoft.com/office/drawing/2014/main" id="{D95E96DB-2DCA-6247-BA7A-F1B989D7D582}"/>
+              </a:ext>
+            </a:extLst>
+          </p:cNvPr>
+          <p:cNvSpPr>
+            <a:spLocks noGrp="1"/>
+          </p:cNvSpPr>
+          <p:nvPr>
+            <p:ph type="title"/>
+          </p:nvPr>
+        </p:nvSpPr>
+        <p:spPr/>
+        <p:txBody>
+          <a:bodyPr/>
+          <a:lstStyle/>
+          <a:p>
+            <a:r>
+              <a:rPr lang="en-US" dirty="0"/>
+              <a:t>Analyzing count data using DESeq2</a:t>
+            </a:r>
+          </a:p>
+        </p:txBody>
+      </p:sp>
+      <p:pic>
+        <p:nvPicPr>
+          <p:cNvPr id="9" name="Content Placeholder 8">
+            <a:extLst>
+              <a:ext uri="{FF2B5EF4-FFF2-40B4-BE49-F238E27FC236}">
+                <a16:creationId xmlns:a16="http://schemas.microsoft.com/office/drawing/2014/main" id="{ABE53223-66A9-1742-9792-933C640E1081}"/>
+              </a:ext>
+            </a:extLst>
+          </p:cNvPr>
+          <p:cNvPicPr>
+            <a:picLocks noGrp="1" noChangeAspect="1"/>
+          </p:cNvPicPr>
+          <p:nvPr>
+            <p:ph idx="1"/>
+          </p:nvPr>
+        </p:nvPicPr>
+        <p:blipFill>
+          <a:blip r:embed="rId2"/>
+          <a:stretch>
+            <a:fillRect/>
+          </a:stretch>
+        </p:blipFill>
+        <p:spPr>
+          <a:xfrm>
+            <a:off x="2087920" y="1564563"/>
+            <a:ext cx="8016160" cy="5002727"/>
+          </a:xfrm>
+        </p:spPr>
+      </p:pic>
+    </p:spTree>
+    <p:extLst>
+      <p:ext uri="{BB962C8B-B14F-4D97-AF65-F5344CB8AC3E}">
+        <p14:creationId xmlns:p14="http://schemas.microsoft.com/office/powerpoint/2010/main" val="4213349691"/>
+      </p:ext>
+    </p:extLst>
+  </p:cSld>
+  <p:clrMapOvr>
+    <a:masterClrMapping/>
+  </p:clrMapOvr>
+</p:sld>
+</file>
+
+<file path=ppt/slides/slide4.xml><?xml version="1.0" encoding="utf-8"?>
+<p:sld xmlns:a="http://schemas.openxmlformats.org/drawingml/2006/main" xmlns:r="http://schemas.openxmlformats.org/officeDocument/2006/relationships" xmlns:p="http://schemas.openxmlformats.org/presentationml/2006/main">
+  <p:cSld>
+    <p:spTree>
+      <p:nvGrpSpPr>
+        <p:cNvPr id="1" name=""/>
+        <p:cNvGrpSpPr/>
+        <p:nvPr/>
+      </p:nvGrpSpPr>
+      <p:grpSpPr>
+        <a:xfrm>
+          <a:off x="0" y="0"/>
+          <a:ext cx="0" cy="0"/>
+          <a:chOff x="0" y="0"/>
+          <a:chExt cx="0" cy="0"/>
+        </a:xfrm>
+      </p:grpSpPr>
+      <p:sp>
+        <p:nvSpPr>
+          <p:cNvPr id="2" name="Title 1">
+            <a:extLst>
+              <a:ext uri="{FF2B5EF4-FFF2-40B4-BE49-F238E27FC236}">
+                <a16:creationId xmlns:a16="http://schemas.microsoft.com/office/drawing/2014/main" id="{007004AF-C0DF-754E-9F95-4FC6A4E35503}"/>
+              </a:ext>
+            </a:extLst>
+          </p:cNvPr>
+          <p:cNvSpPr>
+            <a:spLocks noGrp="1"/>
+          </p:cNvSpPr>
+          <p:nvPr>
+            <p:ph type="title"/>
+          </p:nvPr>
+        </p:nvSpPr>
+        <p:spPr/>
+        <p:txBody>
+          <a:bodyPr/>
+          <a:lstStyle/>
+          <a:p>
+            <a:r>
+              <a:rPr lang="en-US" dirty="0"/>
+              <a:t>Counts</a:t>
+            </a:r>
+            <a:br>
+              <a:rPr lang="en-US" dirty="0"/>
+            </a:br>
+            <a:endParaRPr lang="en-US" dirty="0"/>
+          </a:p>
+        </p:txBody>
+      </p:sp>
+      <p:pic>
+        <p:nvPicPr>
+          <p:cNvPr id="9" name="Content Placeholder 8">
+            <a:extLst>
+              <a:ext uri="{FF2B5EF4-FFF2-40B4-BE49-F238E27FC236}">
+                <a16:creationId xmlns:a16="http://schemas.microsoft.com/office/drawing/2014/main" id="{C237E165-4328-574D-837D-E677843DA5A3}"/>
+              </a:ext>
+            </a:extLst>
+          </p:cNvPr>
+          <p:cNvPicPr>
+            <a:picLocks noGrp="1" noChangeAspect="1"/>
+          </p:cNvPicPr>
+          <p:nvPr>
+            <p:ph idx="1"/>
+          </p:nvPr>
+        </p:nvPicPr>
+        <p:blipFill>
+          <a:blip r:embed="rId2"/>
+          <a:stretch>
+            <a:fillRect/>
+          </a:stretch>
+        </p:blipFill>
+        <p:spPr>
+          <a:xfrm>
+            <a:off x="2374900" y="2680494"/>
+            <a:ext cx="7442200" cy="2641600"/>
+          </a:xfrm>
+        </p:spPr>
+      </p:pic>
+    </p:spTree>
+    <p:extLst>
+      <p:ext uri="{BB962C8B-B14F-4D97-AF65-F5344CB8AC3E}">
+        <p14:creationId xmlns:p14="http://schemas.microsoft.com/office/powerpoint/2010/main" val="1008651100"/>
+      </p:ext>
+    </p:extLst>
+  </p:cSld>
+  <p:clrMapOvr>
+    <a:masterClrMapping/>
+  </p:clrMapOvr>
+</p:sld>
+</file>
+
+<file path=ppt/slides/slide5.xml><?xml version="1.0" encoding="utf-8"?>
+<p:sld xmlns:a="http://schemas.openxmlformats.org/drawingml/2006/main" xmlns:r="http://schemas.openxmlformats.org/officeDocument/2006/relationships" xmlns:p="http://schemas.openxmlformats.org/presentationml/2006/main">
+  <p:cSld>
+    <p:spTree>
+      <p:nvGrpSpPr>
+        <p:cNvPr id="1" name=""/>
+        <p:cNvGrpSpPr/>
+        <p:nvPr/>
+      </p:nvGrpSpPr>
+      <p:grpSpPr>
+        <a:xfrm>
+          <a:off x="0" y="0"/>
+          <a:ext cx="0" cy="0"/>
+          <a:chOff x="0" y="0"/>
+          <a:chExt cx="0" cy="0"/>
+        </a:xfrm>
+      </p:grpSpPr>
+      <p:sp>
+        <p:nvSpPr>
+          <p:cNvPr id="2" name="Title 1">
+            <a:extLst>
+              <a:ext uri="{FF2B5EF4-FFF2-40B4-BE49-F238E27FC236}">
+                <a16:creationId xmlns:a16="http://schemas.microsoft.com/office/drawing/2014/main" id="{DCF5DFA3-CDC0-8246-9321-A05C5ECA23A7}"/>
+              </a:ext>
+            </a:extLst>
+          </p:cNvPr>
+          <p:cNvSpPr>
+            <a:spLocks noGrp="1"/>
+          </p:cNvSpPr>
+          <p:nvPr>
+            <p:ph type="title"/>
+          </p:nvPr>
+        </p:nvSpPr>
+        <p:spPr/>
+        <p:txBody>
+          <a:bodyPr/>
+          <a:lstStyle/>
+          <a:p>
+            <a:r>
+              <a:rPr lang="en-US" dirty="0"/>
+              <a:t>Metadata</a:t>
+            </a:r>
+          </a:p>
+        </p:txBody>
+      </p:sp>
+      <p:pic>
+        <p:nvPicPr>
+          <p:cNvPr id="5" name="Content Placeholder 4">
+            <a:extLst>
+              <a:ext uri="{FF2B5EF4-FFF2-40B4-BE49-F238E27FC236}">
+                <a16:creationId xmlns:a16="http://schemas.microsoft.com/office/drawing/2014/main" id="{3B97187D-1D9B-9845-AD62-30237E0D2B03}"/>
+              </a:ext>
+            </a:extLst>
+          </p:cNvPr>
+          <p:cNvPicPr>
+            <a:picLocks noGrp="1" noChangeAspect="1"/>
+          </p:cNvPicPr>
+          <p:nvPr>
+            <p:ph idx="1"/>
+          </p:nvPr>
+        </p:nvPicPr>
+        <p:blipFill>
+          <a:blip r:embed="rId2"/>
+          <a:stretch>
+            <a:fillRect/>
+          </a:stretch>
+        </p:blipFill>
+        <p:spPr>
+          <a:xfrm>
+            <a:off x="838200" y="3279041"/>
+            <a:ext cx="10515600" cy="1444506"/>
+          </a:xfrm>
+        </p:spPr>
+      </p:pic>
+      <p:cxnSp>
+        <p:nvCxnSpPr>
+          <p:cNvPr id="7" name="Straight Arrow Connector 6">
+            <a:extLst>
+              <a:ext uri="{FF2B5EF4-FFF2-40B4-BE49-F238E27FC236}">
+                <a16:creationId xmlns:a16="http://schemas.microsoft.com/office/drawing/2014/main" id="{9C85B781-27EE-514E-8993-4F1B0B720CEB}"/>
+              </a:ext>
+            </a:extLst>
+          </p:cNvPr>
+          <p:cNvCxnSpPr/>
+          <p:nvPr/>
+        </p:nvCxnSpPr>
+        <p:spPr>
+          <a:xfrm flipH="1">
+            <a:off x="1837465" y="1901633"/>
+            <a:ext cx="588579" cy="1166462"/>
+          </a:xfrm>
+          <a:prstGeom prst="straightConnector1">
+            <a:avLst/>
+          </a:prstGeom>
+          <a:ln w="47625">
+            <a:solidFill>
+              <a:srgbClr val="FF0000"/>
+            </a:solidFill>
+            <a:tailEnd type="triangle"/>
+          </a:ln>
+        </p:spPr>
+        <p:style>
+          <a:lnRef idx="1">
+            <a:schemeClr val="accent1"/>
+          </a:lnRef>
+          <a:fillRef idx="0">
+            <a:schemeClr val="accent1"/>
+          </a:fillRef>
+          <a:effectRef idx="0">
+            <a:schemeClr val="accent1"/>
+          </a:effectRef>
+          <a:fontRef idx="minor">
+            <a:schemeClr val="tx1"/>
+          </a:fontRef>
+        </p:style>
+      </p:cxnSp>
+    </p:spTree>
+    <p:extLst>
+      <p:ext uri="{BB962C8B-B14F-4D97-AF65-F5344CB8AC3E}">
+        <p14:creationId xmlns:p14="http://schemas.microsoft.com/office/powerpoint/2010/main" val="1211737621"/>
+      </p:ext>
+    </p:extLst>
+  </p:cSld>
+  <p:clrMapOvr>
+    <a:masterClrMapping/>
+  </p:clrMapOvr>
+</p:sld>
+</file>
+
+<file path=ppt/slides/slide6.xml><?xml version="1.0" encoding="utf-8"?>
+<p:sld xmlns:a="http://schemas.openxmlformats.org/drawingml/2006/main" xmlns:r="http://schemas.openxmlformats.org/officeDocument/2006/relationships" xmlns:p="http://schemas.openxmlformats.org/presentationml/2006/main">
+  <p:cSld>
+    <p:spTree>
+      <p:nvGrpSpPr>
+        <p:cNvPr id="1" name=""/>
+        <p:cNvGrpSpPr/>
+        <p:nvPr/>
+      </p:nvGrpSpPr>
+      <p:grpSpPr>
+        <a:xfrm>
+          <a:off x="0" y="0"/>
+          <a:ext cx="0" cy="0"/>
+          <a:chOff x="0" y="0"/>
+          <a:chExt cx="0" cy="0"/>
+        </a:xfrm>
+      </p:grpSpPr>
+      <p:sp>
+        <p:nvSpPr>
+          <p:cNvPr id="2" name="Title 1">
+            <a:extLst>
+              <a:ext uri="{FF2B5EF4-FFF2-40B4-BE49-F238E27FC236}">
+                <a16:creationId xmlns:a16="http://schemas.microsoft.com/office/drawing/2014/main" id="{C770B2A6-17F8-7540-A1F9-3F772C623CD4}"/>
+              </a:ext>
+            </a:extLst>
+          </p:cNvPr>
+          <p:cNvSpPr>
+            <a:spLocks noGrp="1"/>
+          </p:cNvSpPr>
+          <p:nvPr>
+            <p:ph type="title"/>
+          </p:nvPr>
+        </p:nvSpPr>
+        <p:spPr/>
+        <p:txBody>
+          <a:bodyPr/>
+          <a:lstStyle/>
+          <a:p>
+            <a:r>
+              <a:rPr lang="en-US" dirty="0"/>
+              <a:t>Commands</a:t>
+            </a:r>
+          </a:p>
+        </p:txBody>
+      </p:sp>
+      <p:sp>
+        <p:nvSpPr>
+          <p:cNvPr id="3" name="Content Placeholder 2">
+            <a:extLst>
+              <a:ext uri="{FF2B5EF4-FFF2-40B4-BE49-F238E27FC236}">
+                <a16:creationId xmlns:a16="http://schemas.microsoft.com/office/drawing/2014/main" id="{B6035CA9-2DB3-9B4D-BE75-31EDDEC871FE}"/>
+              </a:ext>
+            </a:extLst>
+          </p:cNvPr>
+          <p:cNvSpPr>
+            <a:spLocks noGrp="1"/>
+          </p:cNvSpPr>
+          <p:nvPr>
+            <p:ph idx="1"/>
+          </p:nvPr>
+        </p:nvSpPr>
+        <p:spPr/>
+        <p:txBody>
+          <a:bodyPr>
+            <a:normAutofit fontScale="92500" lnSpcReduction="10000"/>
+          </a:bodyPr>
+          <a:lstStyle/>
+          <a:p>
+            <a:pPr marL="0" indent="0">
+              <a:buNone/>
+            </a:pPr>
+            <a:r>
+              <a:rPr lang="en-US" dirty="0"/>
+              <a:t>library(DESeq2)</a:t>
+            </a:r>
+          </a:p>
+          <a:p>
+            <a:pPr marL="0" indent="0">
+              <a:buNone/>
+            </a:pPr>
+            <a:endParaRPr lang="en-US" dirty="0"/>
+          </a:p>
+          <a:p>
+            <a:pPr marL="0" indent="0">
+              <a:buNone/>
+            </a:pPr>
+            <a:r>
+              <a:rPr lang="en-US" dirty="0" err="1"/>
+              <a:t>count_table</a:t>
+            </a:r>
+            <a:r>
+              <a:rPr lang="en-US" dirty="0"/>
+              <a:t> &lt;- </a:t>
+            </a:r>
+            <a:r>
+              <a:rPr lang="en-US" dirty="0" err="1"/>
+              <a:t>read.table</a:t>
+            </a:r>
+            <a:r>
+              <a:rPr lang="en-US" dirty="0"/>
+              <a:t>("~/Desktop/bioinformatics-bootcamp/class_5_2/sce_mct1_03hr_counts.txt", </a:t>
+            </a:r>
+            <a:r>
+              <a:rPr lang="en-US" dirty="0" err="1"/>
+              <a:t>sep</a:t>
+            </a:r>
+            <a:r>
+              <a:rPr lang="en-US" dirty="0"/>
+              <a:t> = '\t', header = TRUE, </a:t>
+            </a:r>
+            <a:r>
+              <a:rPr lang="en-US" dirty="0" err="1"/>
+              <a:t>row.names</a:t>
+            </a:r>
+            <a:r>
+              <a:rPr lang="en-US" dirty="0"/>
+              <a:t> = 1, </a:t>
+            </a:r>
+            <a:r>
+              <a:rPr lang="en-US" dirty="0" err="1"/>
+              <a:t>check.names</a:t>
+            </a:r>
+            <a:r>
+              <a:rPr lang="en-US" dirty="0"/>
+              <a:t>=F)</a:t>
+            </a:r>
+          </a:p>
+          <a:p>
+            <a:pPr marL="0" indent="0">
+              <a:buNone/>
+            </a:pPr>
+            <a:r>
+              <a:rPr lang="en-US" dirty="0"/>
+              <a:t>head(</a:t>
+            </a:r>
+            <a:r>
+              <a:rPr lang="en-US" dirty="0" err="1"/>
+              <a:t>count_table</a:t>
+            </a:r>
+            <a:r>
+              <a:rPr lang="en-US" dirty="0"/>
+              <a:t>)</a:t>
+            </a:r>
+          </a:p>
+          <a:p>
+            <a:pPr marL="0" indent="0">
+              <a:buNone/>
+            </a:pPr>
+            <a:endParaRPr lang="en-US" dirty="0"/>
+          </a:p>
+          <a:p>
+            <a:pPr marL="0" indent="0">
+              <a:buNone/>
+            </a:pPr>
+            <a:r>
+              <a:rPr lang="en-US" dirty="0" err="1"/>
+              <a:t>sample_table</a:t>
+            </a:r>
+            <a:r>
+              <a:rPr lang="en-US" dirty="0"/>
+              <a:t> &lt;- </a:t>
+            </a:r>
+            <a:r>
+              <a:rPr lang="en-US" dirty="0" err="1"/>
+              <a:t>read.table</a:t>
+            </a:r>
+            <a:r>
+              <a:rPr lang="en-US" dirty="0"/>
+              <a:t>(text = </a:t>
+            </a:r>
+            <a:r>
+              <a:rPr lang="en-US" dirty="0" err="1"/>
+              <a:t>readLines</a:t>
+            </a:r>
+            <a:r>
+              <a:rPr lang="en-US" dirty="0"/>
+              <a:t>("~/Desktop/bioinformatics-bootcamp/class_5_2/sce_mct1_03hr_metadata.txt", warn = FALSE), header = TRUE, </a:t>
+            </a:r>
+            <a:r>
+              <a:rPr lang="en-US" dirty="0" err="1"/>
+              <a:t>sep</a:t>
+            </a:r>
+            <a:r>
+              <a:rPr lang="en-US" dirty="0"/>
+              <a:t> = '\t’)</a:t>
+            </a:r>
+          </a:p>
+          <a:p>
+            <a:pPr marL="0" indent="0">
+              <a:buNone/>
+            </a:pPr>
+            <a:r>
+              <a:rPr lang="en-US" dirty="0"/>
+              <a:t>head(</a:t>
+            </a:r>
+            <a:r>
+              <a:rPr lang="en-US" dirty="0" err="1"/>
+              <a:t>sample_table</a:t>
+            </a:r>
+            <a:r>
+              <a:rPr lang="en-US" dirty="0"/>
+              <a:t>)</a:t>
+            </a:r>
+          </a:p>
+        </p:txBody>
+      </p:sp>
+    </p:spTree>
+    <p:extLst>
+      <p:ext uri="{BB962C8B-B14F-4D97-AF65-F5344CB8AC3E}">
+        <p14:creationId xmlns:p14="http://schemas.microsoft.com/office/powerpoint/2010/main" val="2041207371"/>
+      </p:ext>
+    </p:extLst>
+  </p:cSld>
+  <p:clrMapOvr>
+    <a:masterClrMapping/>
+  </p:clrMapOvr>
+</p:sld>
+</file>
+
+<file path=ppt/slides/slide7.xml><?xml version="1.0" encoding="utf-8"?>
+<p:sld xmlns:a="http://schemas.openxmlformats.org/drawingml/2006/main" xmlns:r="http://schemas.openxmlformats.org/officeDocument/2006/relationships" xmlns:p="http://schemas.openxmlformats.org/presentationml/2006/main">
+  <p:cSld>
+    <p:spTree>
+      <p:nvGrpSpPr>
+        <p:cNvPr id="1" name=""/>
+        <p:cNvGrpSpPr/>
+        <p:nvPr/>
+      </p:nvGrpSpPr>
+      <p:grpSpPr>
+        <a:xfrm>
+          <a:off x="0" y="0"/>
+          <a:ext cx="0" cy="0"/>
+          <a:chOff x="0" y="0"/>
+          <a:chExt cx="0" cy="0"/>
+        </a:xfrm>
+      </p:grpSpPr>
+      <p:sp>
+        <p:nvSpPr>
+          <p:cNvPr id="2" name="Title 1">
+            <a:extLst>
+              <a:ext uri="{FF2B5EF4-FFF2-40B4-BE49-F238E27FC236}">
+                <a16:creationId xmlns:a16="http://schemas.microsoft.com/office/drawing/2014/main" id="{D95E96DB-2DCA-6247-BA7A-F1B989D7D582}"/>
+              </a:ext>
+            </a:extLst>
+          </p:cNvPr>
+          <p:cNvSpPr>
+            <a:spLocks noGrp="1"/>
+          </p:cNvSpPr>
+          <p:nvPr>
+            <p:ph type="title"/>
+          </p:nvPr>
+        </p:nvSpPr>
+        <p:spPr/>
+        <p:txBody>
+          <a:bodyPr/>
+          <a:lstStyle/>
+          <a:p>
+            <a:r>
+              <a:rPr lang="en-US" dirty="0"/>
+              <a:t>Analyzing count data using DESeq2</a:t>
+            </a:r>
+          </a:p>
+        </p:txBody>
+      </p:sp>
+      <p:pic>
+        <p:nvPicPr>
+          <p:cNvPr id="6" name="Content Placeholder 5">
+            <a:extLst>
+              <a:ext uri="{FF2B5EF4-FFF2-40B4-BE49-F238E27FC236}">
+                <a16:creationId xmlns:a16="http://schemas.microsoft.com/office/drawing/2014/main" id="{33743987-4351-D149-93E6-CC1DEF8D51E4}"/>
+              </a:ext>
+            </a:extLst>
+          </p:cNvPr>
+          <p:cNvPicPr>
+            <a:picLocks noGrp="1" noChangeAspect="1"/>
+          </p:cNvPicPr>
+          <p:nvPr>
+            <p:ph idx="1"/>
+          </p:nvPr>
+        </p:nvPicPr>
+        <p:blipFill>
+          <a:blip r:embed="rId2"/>
+          <a:stretch>
+            <a:fillRect/>
+          </a:stretch>
+        </p:blipFill>
+        <p:spPr>
+          <a:xfrm>
+            <a:off x="2448361" y="1478783"/>
+            <a:ext cx="7295277" cy="5241647"/>
+          </a:xfrm>
+        </p:spPr>
+      </p:pic>
+    </p:spTree>
+    <p:extLst>
+      <p:ext uri="{BB962C8B-B14F-4D97-AF65-F5344CB8AC3E}">
+        <p14:creationId xmlns:p14="http://schemas.microsoft.com/office/powerpoint/2010/main" val="942258939"/>
+      </p:ext>
+    </p:extLst>
+  </p:cSld>
+  <p:clrMapOvr>
+    <a:masterClrMapping/>
+  </p:clrMapOvr>
+</p:sld>
+</file>
+
+<file path=ppt/slides/slide8.xml><?xml version="1.0" encoding="utf-8"?>
+<p:sld xmlns:a="http://schemas.openxmlformats.org/drawingml/2006/main" xmlns:r="http://schemas.openxmlformats.org/officeDocument/2006/relationships" xmlns:p="http://schemas.openxmlformats.org/presentationml/2006/main">
+  <p:cSld>
+    <p:spTree>
+      <p:nvGrpSpPr>
+        <p:cNvPr id="1" name=""/>
+        <p:cNvGrpSpPr/>
+        <p:nvPr/>
+      </p:nvGrpSpPr>
+      <p:grpSpPr>
+        <a:xfrm>
+          <a:off x="0" y="0"/>
+          <a:ext cx="0" cy="0"/>
+          <a:chOff x="0" y="0"/>
+          <a:chExt cx="0" cy="0"/>
+        </a:xfrm>
+      </p:grpSpPr>
+      <p:sp>
+        <p:nvSpPr>
+          <p:cNvPr id="2" name="Title 1">
+            <a:extLst>
+              <a:ext uri="{FF2B5EF4-FFF2-40B4-BE49-F238E27FC236}">
+                <a16:creationId xmlns:a16="http://schemas.microsoft.com/office/drawing/2014/main" id="{C770B2A6-17F8-7540-A1F9-3F772C623CD4}"/>
+              </a:ext>
+            </a:extLst>
+          </p:cNvPr>
+          <p:cNvSpPr>
+            <a:spLocks noGrp="1"/>
+          </p:cNvSpPr>
+          <p:nvPr>
+            <p:ph type="title"/>
+          </p:nvPr>
+        </p:nvSpPr>
+        <p:spPr/>
+        <p:txBody>
+          <a:bodyPr/>
+          <a:lstStyle/>
+          <a:p>
+            <a:r>
+              <a:rPr lang="en-US" dirty="0"/>
+              <a:t>Commands</a:t>
+            </a:r>
+          </a:p>
+        </p:txBody>
+      </p:sp>
+      <p:sp>
+        <p:nvSpPr>
+          <p:cNvPr id="3" name="Content Placeholder 2">
+            <a:extLst>
+              <a:ext uri="{FF2B5EF4-FFF2-40B4-BE49-F238E27FC236}">
+                <a16:creationId xmlns:a16="http://schemas.microsoft.com/office/drawing/2014/main" id="{B6035CA9-2DB3-9B4D-BE75-31EDDEC871FE}"/>
+              </a:ext>
+            </a:extLst>
+          </p:cNvPr>
+          <p:cNvSpPr>
+            <a:spLocks noGrp="1"/>
+          </p:cNvSpPr>
+          <p:nvPr>
+            <p:ph idx="1"/>
+          </p:nvPr>
+        </p:nvSpPr>
+        <p:spPr/>
+        <p:txBody>
+          <a:bodyPr>
+            <a:normAutofit fontScale="92500" lnSpcReduction="20000"/>
+          </a:bodyPr>
+          <a:lstStyle/>
+          <a:p>
+            <a:pPr marL="0" indent="0">
+              <a:buNone/>
+            </a:pPr>
+            <a:r>
+              <a:rPr lang="en-US" dirty="0" err="1"/>
+              <a:t>dds</a:t>
+            </a:r>
+            <a:r>
+              <a:rPr lang="en-US" dirty="0"/>
+              <a:t> &lt;- </a:t>
+            </a:r>
+            <a:r>
+              <a:rPr lang="en-US" dirty="0" err="1"/>
+              <a:t>DESeqDataSetFromMatrix</a:t>
+            </a:r>
+            <a:r>
+              <a:rPr lang="en-US" dirty="0"/>
+              <a:t>(</a:t>
+            </a:r>
+          </a:p>
+          <a:p>
+            <a:pPr marL="0" indent="0">
+              <a:buNone/>
+            </a:pPr>
+            <a:r>
+              <a:rPr lang="en-US" dirty="0"/>
+              <a:t>     </a:t>
+            </a:r>
+            <a:r>
+              <a:rPr lang="en-US" dirty="0" err="1"/>
+              <a:t>countData</a:t>
+            </a:r>
+            <a:r>
+              <a:rPr lang="en-US" dirty="0"/>
+              <a:t> = </a:t>
+            </a:r>
+            <a:r>
+              <a:rPr lang="en-US" dirty="0" err="1"/>
+              <a:t>count_table</a:t>
+            </a:r>
+            <a:r>
+              <a:rPr lang="en-US" dirty="0"/>
+              <a:t>,</a:t>
+            </a:r>
+          </a:p>
+          <a:p>
+            <a:pPr marL="0" indent="0">
+              <a:buNone/>
+            </a:pPr>
+            <a:r>
+              <a:rPr lang="en-US" dirty="0"/>
+              <a:t>     </a:t>
+            </a:r>
+            <a:r>
+              <a:rPr lang="en-US" dirty="0" err="1"/>
+              <a:t>colData</a:t>
+            </a:r>
+            <a:r>
+              <a:rPr lang="en-US" dirty="0"/>
+              <a:t> = </a:t>
+            </a:r>
+            <a:r>
+              <a:rPr lang="en-US" dirty="0" err="1"/>
+              <a:t>sample_table</a:t>
+            </a:r>
+            <a:r>
+              <a:rPr lang="en-US" dirty="0"/>
+              <a:t>,</a:t>
+            </a:r>
+          </a:p>
+          <a:p>
+            <a:pPr marL="0" indent="0">
+              <a:buNone/>
+            </a:pPr>
+            <a:r>
+              <a:rPr lang="en-US" dirty="0"/>
+              <a:t>     design = ~Genotype)</a:t>
+            </a:r>
+          </a:p>
+          <a:p>
+            <a:pPr marL="0" indent="0">
+              <a:buNone/>
+            </a:pPr>
+            <a:endParaRPr lang="en-US" dirty="0"/>
+          </a:p>
+          <a:p>
+            <a:pPr marL="0" indent="0">
+              <a:buNone/>
+            </a:pPr>
+            <a:r>
+              <a:rPr lang="en-US" dirty="0" err="1"/>
+              <a:t>dds</a:t>
+            </a:r>
+            <a:r>
+              <a:rPr lang="en-US" dirty="0"/>
+              <a:t> &lt;- </a:t>
+            </a:r>
+            <a:r>
+              <a:rPr lang="en-US" dirty="0" err="1"/>
+              <a:t>DESeq</a:t>
+            </a:r>
+            <a:r>
+              <a:rPr lang="en-US" dirty="0"/>
+              <a:t>(</a:t>
+            </a:r>
+            <a:r>
+              <a:rPr lang="en-US" dirty="0" err="1"/>
+              <a:t>dds</a:t>
+            </a:r>
+            <a:r>
+              <a:rPr lang="en-US" dirty="0"/>
+              <a:t>)</a:t>
+            </a:r>
+          </a:p>
+          <a:p>
+            <a:pPr marL="0" indent="0">
+              <a:buNone/>
+            </a:pPr>
+            <a:r>
+              <a:rPr lang="en-US" dirty="0"/>
+              <a:t>res &lt;- results(</a:t>
+            </a:r>
+            <a:r>
+              <a:rPr lang="en-US" dirty="0" err="1"/>
+              <a:t>dds</a:t>
+            </a:r>
+            <a:r>
+              <a:rPr lang="en-US" dirty="0"/>
+              <a:t>)</a:t>
+            </a:r>
+          </a:p>
+          <a:p>
+            <a:pPr marL="0" indent="0">
+              <a:buNone/>
+            </a:pPr>
+            <a:r>
+              <a:rPr lang="en-US" dirty="0" err="1"/>
+              <a:t>resOrdered</a:t>
+            </a:r>
+            <a:r>
+              <a:rPr lang="en-US" dirty="0"/>
+              <a:t> &lt;- res[order(</a:t>
+            </a:r>
+            <a:r>
+              <a:rPr lang="en-US" dirty="0" err="1"/>
+              <a:t>res$padj</a:t>
+            </a:r>
+            <a:r>
+              <a:rPr lang="en-US" dirty="0"/>
+              <a:t>),]</a:t>
+            </a:r>
+          </a:p>
+          <a:p>
+            <a:pPr marL="0" indent="0">
+              <a:buNone/>
+            </a:pPr>
+            <a:endParaRPr lang="en-US" dirty="0"/>
+          </a:p>
+          <a:p>
+            <a:pPr marL="0" indent="0">
+              <a:buNone/>
+            </a:pPr>
+            <a:r>
+              <a:rPr lang="en-US" dirty="0" err="1"/>
+              <a:t>write.table</a:t>
+            </a:r>
+            <a:r>
+              <a:rPr lang="en-US" dirty="0"/>
+              <a:t>(</a:t>
+            </a:r>
+            <a:r>
+              <a:rPr lang="en-US" dirty="0" err="1"/>
+              <a:t>as.data.frame</a:t>
+            </a:r>
+            <a:r>
+              <a:rPr lang="en-US" dirty="0"/>
+              <a:t>(</a:t>
+            </a:r>
+            <a:r>
+              <a:rPr lang="en-US" dirty="0" err="1"/>
+              <a:t>resOrdered</a:t>
+            </a:r>
+            <a:r>
+              <a:rPr lang="en-US" dirty="0"/>
+              <a:t>), file = "~/Desktop/mct1_3hr_DE.tsv", </a:t>
+            </a:r>
+            <a:r>
+              <a:rPr lang="en-US" dirty="0" err="1"/>
+              <a:t>sep</a:t>
+            </a:r>
+            <a:r>
+              <a:rPr lang="en-US" dirty="0"/>
+              <a:t> = '\t', </a:t>
+            </a:r>
+            <a:r>
+              <a:rPr lang="en-US" dirty="0" err="1"/>
+              <a:t>col.names</a:t>
+            </a:r>
+            <a:r>
+              <a:rPr lang="en-US" dirty="0"/>
+              <a:t> = T, </a:t>
+            </a:r>
+            <a:r>
+              <a:rPr lang="en-US" dirty="0" err="1"/>
+              <a:t>row.names</a:t>
+            </a:r>
+            <a:r>
+              <a:rPr lang="en-US" dirty="0"/>
+              <a:t> = T)</a:t>
+            </a:r>
+          </a:p>
+        </p:txBody>
+      </p:sp>
+    </p:spTree>
+    <p:extLst>
+      <p:ext uri="{BB962C8B-B14F-4D97-AF65-F5344CB8AC3E}">
+        <p14:creationId xmlns:p14="http://schemas.microsoft.com/office/powerpoint/2010/main" val="1249287558"/>
+      </p:ext>
+    </p:extLst>
+  </p:cSld>
+  <p:clrMapOvr>
+    <a:masterClrMapping/>
+  </p:clrMapOvr>
+</p:sld>
+</file>
+
+<file path=ppt/slides/slide9.xml><?xml version="1.0" encoding="utf-8"?>
+<p:sld xmlns:a="http://schemas.openxmlformats.org/drawingml/2006/main" xmlns:r="http://schemas.openxmlformats.org/officeDocument/2006/relationships" xmlns:p="http://schemas.openxmlformats.org/presentationml/2006/main">
+  <p:cSld>
+    <p:spTree>
+      <p:nvGrpSpPr>
+        <p:cNvPr id="1" name=""/>
+        <p:cNvGrpSpPr/>
+        <p:nvPr/>
+      </p:nvGrpSpPr>
+      <p:grpSpPr>
+        <a:xfrm>
+          <a:off x="0" y="0"/>
+          <a:ext cx="0" cy="0"/>
+          <a:chOff x="0" y="0"/>
+          <a:chExt cx="0" cy="0"/>
+        </a:xfrm>
+      </p:grpSpPr>
+      <p:sp>
+        <p:nvSpPr>
+          <p:cNvPr id="2" name="Title 1">
+            <a:extLst>
+              <a:ext uri="{FF2B5EF4-FFF2-40B4-BE49-F238E27FC236}">
+                <a16:creationId xmlns:a16="http://schemas.microsoft.com/office/drawing/2014/main" id="{57921E7A-2C8F-4541-9212-7CC4B2707827}"/>
+              </a:ext>
+            </a:extLst>
+          </p:cNvPr>
+          <p:cNvSpPr>
+            <a:spLocks noGrp="1"/>
+          </p:cNvSpPr>
+          <p:nvPr>
+            <p:ph type="title"/>
+          </p:nvPr>
+        </p:nvSpPr>
+        <p:spPr/>
+        <p:txBody>
+          <a:bodyPr/>
+          <a:lstStyle/>
+          <a:p>
+            <a:r>
+              <a:rPr lang="en-US" dirty="0"/>
+              <a:t>Output</a:t>
+            </a:r>
+          </a:p>
+        </p:txBody>
+      </p:sp>
+      <p:sp>
+        <p:nvSpPr>
+          <p:cNvPr id="5" name="Content Placeholder 2">
+            <a:extLst>
+              <a:ext uri="{FF2B5EF4-FFF2-40B4-BE49-F238E27FC236}">
+                <a16:creationId xmlns:a16="http://schemas.microsoft.com/office/drawing/2014/main" id="{58733966-AC97-F54E-80DF-825B65004473}"/>
+              </a:ext>
+            </a:extLst>
+          </p:cNvPr>
+          <p:cNvSpPr txBox="1">
+            <a:spLocks/>
+          </p:cNvSpPr>
+          <p:nvPr/>
+        </p:nvSpPr>
+        <p:spPr>
+          <a:xfrm>
+            <a:off x="838200" y="6063307"/>
+            <a:ext cx="10515600" cy="559229"/>
+          </a:xfrm>
+          <a:prstGeom prst="rect">
+            <a:avLst/>
+          </a:prstGeom>
+        </p:spPr>
+        <p:txBody>
+          <a:bodyPr vert="horz" lIns="91440" tIns="45720" rIns="91440" bIns="45720" rtlCol="0">
+            <a:normAutofit fontScale="85000" lnSpcReduction="10000"/>
+          </a:bodyPr>
+          <a:lstStyle>
+            <a:lvl1pPr marL="228600" indent="-228600" algn="l" defTabSz="914400" rtl="0" eaLnBrk="1" latinLnBrk="0" hangingPunct="1">
+              <a:lnSpc>
+                <a:spcPct val="90000"/>
+              </a:lnSpc>
+              <a:spcBef>
+                <a:spcPts val="1000"/>
+              </a:spcBef>
+              <a:buFont typeface="Arial" panose="020B0604020202020204" pitchFamily="34" charset="0"/>
+              <a:buChar char="•"/>
+              <a:defRPr sz="2800" kern="1200">
+                <a:solidFill>
+                  <a:schemeClr val="tx1"/>
+                </a:solidFill>
+                <a:latin typeface="+mn-lt"/>
+                <a:ea typeface="+mn-ea"/>
+                <a:cs typeface="+mn-cs"/>
+              </a:defRPr>
+            </a:lvl1pPr>
+            <a:lvl2pPr marL="685800" indent="-228600" algn="l" defTabSz="914400" rtl="0" eaLnBrk="1" latinLnBrk="0" hangingPunct="1">
+              <a:lnSpc>
+                <a:spcPct val="90000"/>
+              </a:lnSpc>
+              <a:spcBef>
+                <a:spcPts val="500"/>
+              </a:spcBef>
+              <a:buFont typeface="Arial" panose="020B0604020202020204" pitchFamily="34" charset="0"/>
+              <a:buChar char="•"/>
+              <a:defRPr sz="2400" kern="1200">
+                <a:solidFill>
+                  <a:schemeClr val="tx1"/>
+                </a:solidFill>
+                <a:latin typeface="+mn-lt"/>
+                <a:ea typeface="+mn-ea"/>
+                <a:cs typeface="+mn-cs"/>
+              </a:defRPr>
+            </a:lvl2pPr>
+            <a:lvl3pPr marL="1143000" indent="-228600" algn="l" defTabSz="914400" rtl="0" eaLnBrk="1" latinLnBrk="0" hangingPunct="1">
+              <a:lnSpc>
+                <a:spcPct val="90000"/>
+              </a:lnSpc>
+              <a:spcBef>
+                <a:spcPts val="500"/>
+              </a:spcBef>
+              <a:buFont typeface="Arial" panose="020B0604020202020204" pitchFamily="34" charset="0"/>
+              <a:buChar char="•"/>
+              <a:defRPr sz="2000" kern="1200">
+                <a:solidFill>
+                  <a:schemeClr val="tx1"/>
+                </a:solidFill>
+                <a:latin typeface="+mn-lt"/>
+                <a:ea typeface="+mn-ea"/>
+                <a:cs typeface="+mn-cs"/>
+              </a:defRPr>
+            </a:lvl3pPr>
+            <a:lvl4pPr marL="1600200" indent="-228600" algn="l" defTabSz="914400" rtl="0" eaLnBrk="1" latinLnBrk="0" hangingPunct="1">
+              <a:lnSpc>
+                <a:spcPct val="90000"/>
+              </a:lnSpc>
+              <a:spcBef>
+                <a:spcPts val="500"/>
+              </a:spcBef>
+              <a:buFont typeface="Arial" panose="020B0604020202020204" pitchFamily="34" charset="0"/>
+              <a:buChar char="•"/>
+              <a:defRPr sz="1800" kern="1200">
+                <a:solidFill>
+                  <a:schemeClr val="tx1"/>
+                </a:solidFill>
+                <a:latin typeface="+mn-lt"/>
+                <a:ea typeface="+mn-ea"/>
+                <a:cs typeface="+mn-cs"/>
+              </a:defRPr>
+            </a:lvl4pPr>
+            <a:lvl5pPr marL="2057400" indent="-228600" algn="l" defTabSz="914400" rtl="0" eaLnBrk="1" latinLnBrk="0" hangingPunct="1">
+              <a:lnSpc>
+                <a:spcPct val="90000"/>
+              </a:lnSpc>
+              <a:spcBef>
+                <a:spcPts val="500"/>
+              </a:spcBef>
+              <a:buFont typeface="Arial" panose="020B0604020202020204" pitchFamily="34" charset="0"/>
+              <a:buChar char="•"/>
+              <a:defRPr sz="1800" kern="1200">
+                <a:solidFill>
+                  <a:schemeClr val="tx1"/>
+                </a:solidFill>
+                <a:latin typeface="+mn-lt"/>
+                <a:ea typeface="+mn-ea"/>
+                <a:cs typeface="+mn-cs"/>
+              </a:defRPr>
+            </a:lvl5pPr>
+            <a:lvl6pPr marL="2514600" indent="-228600" algn="l" defTabSz="914400" rtl="0" eaLnBrk="1" latinLnBrk="0" hangingPunct="1">
+              <a:lnSpc>
+                <a:spcPct val="90000"/>
+              </a:lnSpc>
+              <a:spcBef>
+                <a:spcPts val="500"/>
+              </a:spcBef>
+              <a:buFont typeface="Arial" panose="020B0604020202020204" pitchFamily="34" charset="0"/>
+              <a:buChar char="•"/>
+              <a:defRPr sz="1800" kern="1200">
+                <a:solidFill>
+                  <a:schemeClr val="tx1"/>
+                </a:solidFill>
+                <a:latin typeface="+mn-lt"/>
+                <a:ea typeface="+mn-ea"/>
+                <a:cs typeface="+mn-cs"/>
+              </a:defRPr>
+            </a:lvl6pPr>
+            <a:lvl7pPr marL="2971800" indent="-228600" algn="l" defTabSz="914400" rtl="0" eaLnBrk="1" latinLnBrk="0" hangingPunct="1">
+              <a:lnSpc>
+                <a:spcPct val="90000"/>
+              </a:lnSpc>
+              <a:spcBef>
+                <a:spcPts val="500"/>
+              </a:spcBef>
+              <a:buFont typeface="Arial" panose="020B0604020202020204" pitchFamily="34" charset="0"/>
+              <a:buChar char="•"/>
+              <a:defRPr sz="1800" kern="1200">
+                <a:solidFill>
+                  <a:schemeClr val="tx1"/>
+                </a:solidFill>
+                <a:latin typeface="+mn-lt"/>
+                <a:ea typeface="+mn-ea"/>
+                <a:cs typeface="+mn-cs"/>
+              </a:defRPr>
+            </a:lvl7pPr>
+            <a:lvl8pPr marL="3429000" indent="-228600" algn="l" defTabSz="914400" rtl="0" eaLnBrk="1" latinLnBrk="0" hangingPunct="1">
+              <a:lnSpc>
+                <a:spcPct val="90000"/>
+              </a:lnSpc>
+              <a:spcBef>
+                <a:spcPts val="500"/>
+              </a:spcBef>
+              <a:buFont typeface="Arial" panose="020B0604020202020204" pitchFamily="34" charset="0"/>
+              <a:buChar char="•"/>
+              <a:defRPr sz="1800" kern="1200">
+                <a:solidFill>
+                  <a:schemeClr val="tx1"/>
+                </a:solidFill>
+                <a:latin typeface="+mn-lt"/>
+                <a:ea typeface="+mn-ea"/>
+                <a:cs typeface="+mn-cs"/>
+              </a:defRPr>
+            </a:lvl8pPr>
+            <a:lvl9pPr marL="3886200" indent="-228600" algn="l" defTabSz="914400" rtl="0" eaLnBrk="1" latinLnBrk="0" hangingPunct="1">
+              <a:lnSpc>
+                <a:spcPct val="90000"/>
+              </a:lnSpc>
+              <a:spcBef>
+                <a:spcPts val="500"/>
+              </a:spcBef>
+              <a:buFont typeface="Arial" panose="020B0604020202020204" pitchFamily="34" charset="0"/>
+              <a:buChar char="•"/>
+              <a:defRPr sz="1800" kern="1200">
+                <a:solidFill>
+                  <a:schemeClr val="tx1"/>
+                </a:solidFill>
+                <a:latin typeface="+mn-lt"/>
+                <a:ea typeface="+mn-ea"/>
+                <a:cs typeface="+mn-cs"/>
+              </a:defRPr>
+            </a:lvl9pPr>
+          </a:lstStyle>
+          <a:p>
+            <a:r>
+              <a:rPr lang="en-US" dirty="0"/>
+              <a:t>Note: Your file paths for inputs and outputs may differ based on operating system</a:t>
+            </a:r>
+          </a:p>
+        </p:txBody>
+      </p:sp>
+      <p:pic>
+        <p:nvPicPr>
+          <p:cNvPr id="9" name="Content Placeholder 8">
+            <a:extLst>
+              <a:ext uri="{FF2B5EF4-FFF2-40B4-BE49-F238E27FC236}">
+                <a16:creationId xmlns:a16="http://schemas.microsoft.com/office/drawing/2014/main" id="{5061EB92-D09C-5D48-BCA7-B02E35C776F5}"/>
+              </a:ext>
+            </a:extLst>
+          </p:cNvPr>
+          <p:cNvPicPr>
+            <a:picLocks noGrp="1" noChangeAspect="1"/>
+          </p:cNvPicPr>
+          <p:nvPr>
+            <p:ph idx="1"/>
+          </p:nvPr>
+        </p:nvPicPr>
+        <p:blipFill>
+          <a:blip r:embed="rId2"/>
+          <a:stretch>
+            <a:fillRect/>
+          </a:stretch>
+        </p:blipFill>
+        <p:spPr>
+          <a:xfrm>
+            <a:off x="3213100" y="2775744"/>
+            <a:ext cx="5765800" cy="2451100"/>
+          </a:xfrm>
+        </p:spPr>
+      </p:pic>
+    </p:spTree>
+    <p:extLst>
+      <p:ext uri="{BB962C8B-B14F-4D97-AF65-F5344CB8AC3E}">
+        <p14:creationId xmlns:p14="http://schemas.microsoft.com/office/powerpoint/2010/main" val="3855570148"/>
       </p:ext>
     </p:extLst>
   </p:cSld>
